--- a/git & versioncontrol.pptx
+++ b/git & versioncontrol.pptx
@@ -8,6 +8,8 @@
     <p:sldId id="256" r:id="rId2"/>
     <p:sldId id="257" r:id="rId3"/>
     <p:sldId id="258" r:id="rId4"/>
+    <p:sldId id="259" r:id="rId5"/>
+    <p:sldId id="260" r:id="rId6"/>
   </p:sldIdLst>
   <p:sldSz cx="9144000" cy="6858000" type="screen4x3"/>
   <p:notesSz cx="6858000" cy="9144000"/>
@@ -3404,6 +3406,238 @@
     <p:extLst>
       <p:ext uri="{BB962C8B-B14F-4D97-AF65-F5344CB8AC3E}">
         <p14:creationId xmlns:p14="http://schemas.microsoft.com/office/powerpoint/2010/main" val="2571091319"/>
+      </p:ext>
+    </p:extLst>
+  </p:cSld>
+  <p:clrMapOvr>
+    <a:masterClrMapping/>
+  </p:clrMapOvr>
+</p:sld>
+</file>
+
+<file path=ppt/slides/slide4.xml><?xml version="1.0" encoding="utf-8"?>
+<p:sld xmlns:a="http://schemas.openxmlformats.org/drawingml/2006/main" xmlns:r="http://schemas.openxmlformats.org/officeDocument/2006/relationships" xmlns:p="http://schemas.openxmlformats.org/presentationml/2006/main">
+  <p:cSld>
+    <p:spTree>
+      <p:nvGrpSpPr>
+        <p:cNvPr id="1" name=""/>
+        <p:cNvGrpSpPr/>
+        <p:nvPr/>
+      </p:nvGrpSpPr>
+      <p:grpSpPr>
+        <a:xfrm>
+          <a:off x="0" y="0"/>
+          <a:ext cx="0" cy="0"/>
+          <a:chOff x="0" y="0"/>
+          <a:chExt cx="0" cy="0"/>
+        </a:xfrm>
+      </p:grpSpPr>
+      <p:sp>
+        <p:nvSpPr>
+          <p:cNvPr id="2" name="Title 1"/>
+          <p:cNvSpPr>
+            <a:spLocks noGrp="1"/>
+          </p:cNvSpPr>
+          <p:nvPr>
+            <p:ph type="title"/>
+          </p:nvPr>
+        </p:nvSpPr>
+        <p:spPr/>
+        <p:txBody>
+          <a:bodyPr/>
+          <a:lstStyle/>
+          <a:p>
+            <a:r>
+              <a:rPr lang="en-US" dirty="0"/>
+              <a:t>Version Control Systems </a:t>
+            </a:r>
+            <a:r>
+              <a:rPr lang="th-TH" dirty="0"/>
+              <a:t>แบบ </a:t>
+            </a:r>
+            <a:r>
+              <a:rPr lang="en-US" dirty="0"/>
+              <a:t>Local</a:t>
+            </a:r>
+            <a:endParaRPr lang="th-TH" dirty="0"/>
+          </a:p>
+        </p:txBody>
+      </p:sp>
+      <p:sp>
+        <p:nvSpPr>
+          <p:cNvPr id="3" name="Content Placeholder 2"/>
+          <p:cNvSpPr>
+            <a:spLocks noGrp="1"/>
+          </p:cNvSpPr>
+          <p:nvPr>
+            <p:ph idx="1"/>
+          </p:nvPr>
+        </p:nvSpPr>
+        <p:spPr>
+          <a:xfrm>
+            <a:off x="457200" y="1600200"/>
+            <a:ext cx="4724400" cy="4525963"/>
+          </a:xfrm>
+        </p:spPr>
+        <p:txBody>
+          <a:bodyPr/>
+          <a:lstStyle/>
+          <a:p>
+            <a:r>
+              <a:rPr lang="th-TH" dirty="0" smtClean="0"/>
+              <a:t>การคัดลอกไฟล์ไปโฟลเดอร์ใหม่</a:t>
+            </a:r>
+          </a:p>
+          <a:p>
+            <a:r>
+              <a:rPr lang="th-TH" dirty="0" smtClean="0"/>
+              <a:t>การตั้งชื่อไฟล์ใหม่</a:t>
+            </a:r>
+          </a:p>
+          <a:p>
+            <a:endParaRPr lang="th-TH" dirty="0"/>
+          </a:p>
+        </p:txBody>
+      </p:sp>
+      <p:pic>
+        <p:nvPicPr>
+          <p:cNvPr id="1026" name="Picture 2"/>
+          <p:cNvPicPr>
+            <a:picLocks noChangeAspect="1" noChangeArrowheads="1"/>
+          </p:cNvPicPr>
+          <p:nvPr/>
+        </p:nvPicPr>
+        <p:blipFill>
+          <a:blip r:embed="rId2">
+            <a:extLst>
+              <a:ext uri="{28A0092B-C50C-407E-A947-70E740481C1C}">
+                <a14:useLocalDpi xmlns:a14="http://schemas.microsoft.com/office/drawing/2010/main" val="0"/>
+              </a:ext>
+            </a:extLst>
+          </a:blip>
+          <a:srcRect/>
+          <a:stretch>
+            <a:fillRect/>
+          </a:stretch>
+        </p:blipFill>
+        <p:spPr bwMode="auto">
+          <a:xfrm>
+            <a:off x="5334000" y="1600200"/>
+            <a:ext cx="3810000" cy="3200400"/>
+          </a:xfrm>
+          <a:prstGeom prst="rect">
+            <a:avLst/>
+          </a:prstGeom>
+          <a:noFill/>
+          <a:ln>
+            <a:noFill/>
+          </a:ln>
+          <a:extLst>
+            <a:ext uri="{909E8E84-426E-40DD-AFC4-6F175D3DCCD1}">
+              <a14:hiddenFill xmlns:a14="http://schemas.microsoft.com/office/drawing/2010/main">
+                <a:solidFill>
+                  <a:schemeClr val="accent1"/>
+                </a:solidFill>
+              </a14:hiddenFill>
+            </a:ext>
+            <a:ext uri="{91240B29-F687-4F45-9708-019B960494DF}">
+              <a14:hiddenLine xmlns:a14="http://schemas.microsoft.com/office/drawing/2010/main" w="9525">
+                <a:solidFill>
+                  <a:schemeClr val="tx1"/>
+                </a:solidFill>
+                <a:miter lim="800000"/>
+                <a:headEnd/>
+                <a:tailEnd/>
+              </a14:hiddenLine>
+            </a:ext>
+          </a:extLst>
+        </p:spPr>
+      </p:pic>
+    </p:spTree>
+    <p:extLst>
+      <p:ext uri="{BB962C8B-B14F-4D97-AF65-F5344CB8AC3E}">
+        <p14:creationId xmlns:p14="http://schemas.microsoft.com/office/powerpoint/2010/main" val="1448243431"/>
+      </p:ext>
+    </p:extLst>
+  </p:cSld>
+  <p:clrMapOvr>
+    <a:masterClrMapping/>
+  </p:clrMapOvr>
+</p:sld>
+</file>
+
+<file path=ppt/slides/slide5.xml><?xml version="1.0" encoding="utf-8"?>
+<p:sld xmlns:a="http://schemas.openxmlformats.org/drawingml/2006/main" xmlns:r="http://schemas.openxmlformats.org/officeDocument/2006/relationships" xmlns:p="http://schemas.openxmlformats.org/presentationml/2006/main">
+  <p:cSld>
+    <p:spTree>
+      <p:nvGrpSpPr>
+        <p:cNvPr id="1" name=""/>
+        <p:cNvGrpSpPr/>
+        <p:nvPr/>
+      </p:nvGrpSpPr>
+      <p:grpSpPr>
+        <a:xfrm>
+          <a:off x="0" y="0"/>
+          <a:ext cx="0" cy="0"/>
+          <a:chOff x="0" y="0"/>
+          <a:chExt cx="0" cy="0"/>
+        </a:xfrm>
+      </p:grpSpPr>
+      <p:sp>
+        <p:nvSpPr>
+          <p:cNvPr id="2" name="Title 1"/>
+          <p:cNvSpPr>
+            <a:spLocks noGrp="1"/>
+          </p:cNvSpPr>
+          <p:nvPr>
+            <p:ph type="title"/>
+          </p:nvPr>
+        </p:nvSpPr>
+        <p:spPr/>
+        <p:txBody>
+          <a:bodyPr>
+            <a:normAutofit/>
+          </a:bodyPr>
+          <a:lstStyle/>
+          <a:p>
+            <a:r>
+              <a:rPr lang="en-US" dirty="0" smtClean="0"/>
+              <a:t>Version </a:t>
+            </a:r>
+            <a:r>
+              <a:rPr lang="en-US" dirty="0"/>
+              <a:t>Control Systems </a:t>
+            </a:r>
+            <a:r>
+              <a:rPr lang="th-TH" dirty="0"/>
+              <a:t>แบบรวมศูนย์</a:t>
+            </a:r>
+          </a:p>
+        </p:txBody>
+      </p:sp>
+      <p:sp>
+        <p:nvSpPr>
+          <p:cNvPr id="3" name="Content Placeholder 2"/>
+          <p:cNvSpPr>
+            <a:spLocks noGrp="1"/>
+          </p:cNvSpPr>
+          <p:nvPr>
+            <p:ph idx="1"/>
+          </p:nvPr>
+        </p:nvSpPr>
+        <p:spPr/>
+        <p:txBody>
+          <a:bodyPr/>
+          <a:lstStyle/>
+          <a:p>
+            <a:endParaRPr lang="th-TH" dirty="0"/>
+          </a:p>
+        </p:txBody>
+      </p:sp>
+    </p:spTree>
+    <p:extLst>
+      <p:ext uri="{BB962C8B-B14F-4D97-AF65-F5344CB8AC3E}">
+        <p14:creationId xmlns:p14="http://schemas.microsoft.com/office/powerpoint/2010/main" val="2801577566"/>
       </p:ext>
     </p:extLst>
   </p:cSld>

--- a/git & versioncontrol.pptx
+++ b/git & versioncontrol.pptx
@@ -4,12 +4,19 @@
   <p:sldMasterIdLst>
     <p:sldMasterId id="2147483648" r:id="rId1"/>
   </p:sldMasterIdLst>
+  <p:notesMasterIdLst>
+    <p:notesMasterId r:id="rId11"/>
+  </p:notesMasterIdLst>
   <p:sldIdLst>
     <p:sldId id="256" r:id="rId2"/>
     <p:sldId id="257" r:id="rId3"/>
     <p:sldId id="258" r:id="rId4"/>
     <p:sldId id="259" r:id="rId5"/>
     <p:sldId id="260" r:id="rId6"/>
+    <p:sldId id="261" r:id="rId7"/>
+    <p:sldId id="263" r:id="rId8"/>
+    <p:sldId id="262" r:id="rId9"/>
+    <p:sldId id="264" r:id="rId10"/>
   </p:sldIdLst>
   <p:sldSz cx="9144000" cy="6858000" type="screen4x3"/>
   <p:notesSz cx="6858000" cy="9144000"/>
@@ -109,6 +116,484 @@
     </a:lvl9pPr>
   </p:defaultTextStyle>
 </p:presentation>
+</file>
+
+<file path=ppt/notesMasters/notesMaster1.xml><?xml version="1.0" encoding="utf-8"?>
+<p:notesMaster xmlns:a="http://schemas.openxmlformats.org/drawingml/2006/main" xmlns:r="http://schemas.openxmlformats.org/officeDocument/2006/relationships" xmlns:p="http://schemas.openxmlformats.org/presentationml/2006/main">
+  <p:cSld>
+    <p:bg>
+      <p:bgRef idx="1001">
+        <a:schemeClr val="bg1"/>
+      </p:bgRef>
+    </p:bg>
+    <p:spTree>
+      <p:nvGrpSpPr>
+        <p:cNvPr id="1" name=""/>
+        <p:cNvGrpSpPr/>
+        <p:nvPr/>
+      </p:nvGrpSpPr>
+      <p:grpSpPr>
+        <a:xfrm>
+          <a:off x="0" y="0"/>
+          <a:ext cx="0" cy="0"/>
+          <a:chOff x="0" y="0"/>
+          <a:chExt cx="0" cy="0"/>
+        </a:xfrm>
+      </p:grpSpPr>
+      <p:sp>
+        <p:nvSpPr>
+          <p:cNvPr id="2" name="Header Placeholder 1"/>
+          <p:cNvSpPr>
+            <a:spLocks noGrp="1"/>
+          </p:cNvSpPr>
+          <p:nvPr>
+            <p:ph type="hdr" sz="quarter"/>
+          </p:nvPr>
+        </p:nvSpPr>
+        <p:spPr>
+          <a:xfrm>
+            <a:off x="0" y="0"/>
+            <a:ext cx="2971800" cy="457200"/>
+          </a:xfrm>
+          <a:prstGeom prst="rect">
+            <a:avLst/>
+          </a:prstGeom>
+        </p:spPr>
+        <p:txBody>
+          <a:bodyPr vert="horz" lIns="91440" tIns="45720" rIns="91440" bIns="45720" rtlCol="0"/>
+          <a:lstStyle>
+            <a:lvl1pPr algn="l">
+              <a:defRPr sz="1200"/>
+            </a:lvl1pPr>
+          </a:lstStyle>
+          <a:p>
+            <a:endParaRPr lang="th-TH"/>
+          </a:p>
+        </p:txBody>
+      </p:sp>
+      <p:sp>
+        <p:nvSpPr>
+          <p:cNvPr id="3" name="Date Placeholder 2"/>
+          <p:cNvSpPr>
+            <a:spLocks noGrp="1"/>
+          </p:cNvSpPr>
+          <p:nvPr>
+            <p:ph type="dt" idx="1"/>
+          </p:nvPr>
+        </p:nvSpPr>
+        <p:spPr>
+          <a:xfrm>
+            <a:off x="3884613" y="0"/>
+            <a:ext cx="2971800" cy="457200"/>
+          </a:xfrm>
+          <a:prstGeom prst="rect">
+            <a:avLst/>
+          </a:prstGeom>
+        </p:spPr>
+        <p:txBody>
+          <a:bodyPr vert="horz" lIns="91440" tIns="45720" rIns="91440" bIns="45720" rtlCol="0"/>
+          <a:lstStyle>
+            <a:lvl1pPr algn="r">
+              <a:defRPr sz="1200"/>
+            </a:lvl1pPr>
+          </a:lstStyle>
+          <a:p>
+            <a:fld id="{81C8B2B0-CCCD-4542-B562-730F2E63F359}" type="datetimeFigureOut">
+              <a:rPr lang="th-TH" smtClean="0"/>
+              <a:t>12/09/56</a:t>
+            </a:fld>
+            <a:endParaRPr lang="th-TH"/>
+          </a:p>
+        </p:txBody>
+      </p:sp>
+      <p:sp>
+        <p:nvSpPr>
+          <p:cNvPr id="4" name="Slide Image Placeholder 3"/>
+          <p:cNvSpPr>
+            <a:spLocks noGrp="1" noRot="1" noChangeAspect="1"/>
+          </p:cNvSpPr>
+          <p:nvPr>
+            <p:ph type="sldImg" idx="2"/>
+          </p:nvPr>
+        </p:nvSpPr>
+        <p:spPr>
+          <a:xfrm>
+            <a:off x="1143000" y="685800"/>
+            <a:ext cx="4572000" cy="3429000"/>
+          </a:xfrm>
+          <a:prstGeom prst="rect">
+            <a:avLst/>
+          </a:prstGeom>
+          <a:noFill/>
+          <a:ln w="12700">
+            <a:solidFill>
+              <a:prstClr val="black"/>
+            </a:solidFill>
+          </a:ln>
+        </p:spPr>
+        <p:txBody>
+          <a:bodyPr vert="horz" lIns="91440" tIns="45720" rIns="91440" bIns="45720" rtlCol="0" anchor="ctr"/>
+          <a:lstStyle/>
+          <a:p>
+            <a:endParaRPr lang="th-TH"/>
+          </a:p>
+        </p:txBody>
+      </p:sp>
+      <p:sp>
+        <p:nvSpPr>
+          <p:cNvPr id="5" name="Notes Placeholder 4"/>
+          <p:cNvSpPr>
+            <a:spLocks noGrp="1"/>
+          </p:cNvSpPr>
+          <p:nvPr>
+            <p:ph type="body" sz="quarter" idx="3"/>
+          </p:nvPr>
+        </p:nvSpPr>
+        <p:spPr>
+          <a:xfrm>
+            <a:off x="685800" y="4343400"/>
+            <a:ext cx="5486400" cy="4114800"/>
+          </a:xfrm>
+          <a:prstGeom prst="rect">
+            <a:avLst/>
+          </a:prstGeom>
+        </p:spPr>
+        <p:txBody>
+          <a:bodyPr vert="horz" lIns="91440" tIns="45720" rIns="91440" bIns="45720" rtlCol="0"/>
+          <a:lstStyle/>
+          <a:p>
+            <a:pPr lvl="0"/>
+            <a:r>
+              <a:rPr lang="en-US" smtClean="0"/>
+              <a:t>Click to edit Master text styles</a:t>
+            </a:r>
+          </a:p>
+          <a:p>
+            <a:pPr lvl="1"/>
+            <a:r>
+              <a:rPr lang="en-US" smtClean="0"/>
+              <a:t>Second level</a:t>
+            </a:r>
+          </a:p>
+          <a:p>
+            <a:pPr lvl="2"/>
+            <a:r>
+              <a:rPr lang="en-US" smtClean="0"/>
+              <a:t>Third level</a:t>
+            </a:r>
+          </a:p>
+          <a:p>
+            <a:pPr lvl="3"/>
+            <a:r>
+              <a:rPr lang="en-US" smtClean="0"/>
+              <a:t>Fourth level</a:t>
+            </a:r>
+          </a:p>
+          <a:p>
+            <a:pPr lvl="4"/>
+            <a:r>
+              <a:rPr lang="en-US" smtClean="0"/>
+              <a:t>Fifth level</a:t>
+            </a:r>
+            <a:endParaRPr lang="th-TH"/>
+          </a:p>
+        </p:txBody>
+      </p:sp>
+      <p:sp>
+        <p:nvSpPr>
+          <p:cNvPr id="6" name="Footer Placeholder 5"/>
+          <p:cNvSpPr>
+            <a:spLocks noGrp="1"/>
+          </p:cNvSpPr>
+          <p:nvPr>
+            <p:ph type="ftr" sz="quarter" idx="4"/>
+          </p:nvPr>
+        </p:nvSpPr>
+        <p:spPr>
+          <a:xfrm>
+            <a:off x="0" y="8685213"/>
+            <a:ext cx="2971800" cy="457200"/>
+          </a:xfrm>
+          <a:prstGeom prst="rect">
+            <a:avLst/>
+          </a:prstGeom>
+        </p:spPr>
+        <p:txBody>
+          <a:bodyPr vert="horz" lIns="91440" tIns="45720" rIns="91440" bIns="45720" rtlCol="0" anchor="b"/>
+          <a:lstStyle>
+            <a:lvl1pPr algn="l">
+              <a:defRPr sz="1200"/>
+            </a:lvl1pPr>
+          </a:lstStyle>
+          <a:p>
+            <a:endParaRPr lang="th-TH"/>
+          </a:p>
+        </p:txBody>
+      </p:sp>
+      <p:sp>
+        <p:nvSpPr>
+          <p:cNvPr id="7" name="Slide Number Placeholder 6"/>
+          <p:cNvSpPr>
+            <a:spLocks noGrp="1"/>
+          </p:cNvSpPr>
+          <p:nvPr>
+            <p:ph type="sldNum" sz="quarter" idx="5"/>
+          </p:nvPr>
+        </p:nvSpPr>
+        <p:spPr>
+          <a:xfrm>
+            <a:off x="3884613" y="8685213"/>
+            <a:ext cx="2971800" cy="457200"/>
+          </a:xfrm>
+          <a:prstGeom prst="rect">
+            <a:avLst/>
+          </a:prstGeom>
+        </p:spPr>
+        <p:txBody>
+          <a:bodyPr vert="horz" lIns="91440" tIns="45720" rIns="91440" bIns="45720" rtlCol="0" anchor="b"/>
+          <a:lstStyle>
+            <a:lvl1pPr algn="r">
+              <a:defRPr sz="1200"/>
+            </a:lvl1pPr>
+          </a:lstStyle>
+          <a:p>
+            <a:fld id="{FFC2B25E-DF71-4B65-AF76-D6E860F5255F}" type="slidenum">
+              <a:rPr lang="th-TH" smtClean="0"/>
+              <a:t>‹#›</a:t>
+            </a:fld>
+            <a:endParaRPr lang="th-TH"/>
+          </a:p>
+        </p:txBody>
+      </p:sp>
+    </p:spTree>
+    <p:extLst>
+      <p:ext uri="{BB962C8B-B14F-4D97-AF65-F5344CB8AC3E}">
+        <p14:creationId xmlns:p14="http://schemas.microsoft.com/office/powerpoint/2010/main" val="3181728496"/>
+      </p:ext>
+    </p:extLst>
+  </p:cSld>
+  <p:clrMap bg1="lt1" tx1="dk1" bg2="lt2" tx2="dk2" accent1="accent1" accent2="accent2" accent3="accent3" accent4="accent4" accent5="accent5" accent6="accent6" hlink="hlink" folHlink="folHlink"/>
+  <p:notesStyle>
+    <a:lvl1pPr marL="0" algn="l" defTabSz="914400" rtl="0" eaLnBrk="1" latinLnBrk="0" hangingPunct="1">
+      <a:defRPr sz="1800" kern="1200">
+        <a:solidFill>
+          <a:schemeClr val="tx1"/>
+        </a:solidFill>
+        <a:latin typeface="+mn-lt"/>
+        <a:ea typeface="+mn-ea"/>
+        <a:cs typeface="+mn-cs"/>
+      </a:defRPr>
+    </a:lvl1pPr>
+    <a:lvl2pPr marL="457200" algn="l" defTabSz="914400" rtl="0" eaLnBrk="1" latinLnBrk="0" hangingPunct="1">
+      <a:defRPr sz="1800" kern="1200">
+        <a:solidFill>
+          <a:schemeClr val="tx1"/>
+        </a:solidFill>
+        <a:latin typeface="+mn-lt"/>
+        <a:ea typeface="+mn-ea"/>
+        <a:cs typeface="+mn-cs"/>
+      </a:defRPr>
+    </a:lvl2pPr>
+    <a:lvl3pPr marL="914400" algn="l" defTabSz="914400" rtl="0" eaLnBrk="1" latinLnBrk="0" hangingPunct="1">
+      <a:defRPr sz="1800" kern="1200">
+        <a:solidFill>
+          <a:schemeClr val="tx1"/>
+        </a:solidFill>
+        <a:latin typeface="+mn-lt"/>
+        <a:ea typeface="+mn-ea"/>
+        <a:cs typeface="+mn-cs"/>
+      </a:defRPr>
+    </a:lvl3pPr>
+    <a:lvl4pPr marL="1371600" algn="l" defTabSz="914400" rtl="0" eaLnBrk="1" latinLnBrk="0" hangingPunct="1">
+      <a:defRPr sz="1800" kern="1200">
+        <a:solidFill>
+          <a:schemeClr val="tx1"/>
+        </a:solidFill>
+        <a:latin typeface="+mn-lt"/>
+        <a:ea typeface="+mn-ea"/>
+        <a:cs typeface="+mn-cs"/>
+      </a:defRPr>
+    </a:lvl4pPr>
+    <a:lvl5pPr marL="1828800" algn="l" defTabSz="914400" rtl="0" eaLnBrk="1" latinLnBrk="0" hangingPunct="1">
+      <a:defRPr sz="1800" kern="1200">
+        <a:solidFill>
+          <a:schemeClr val="tx1"/>
+        </a:solidFill>
+        <a:latin typeface="+mn-lt"/>
+        <a:ea typeface="+mn-ea"/>
+        <a:cs typeface="+mn-cs"/>
+      </a:defRPr>
+    </a:lvl5pPr>
+    <a:lvl6pPr marL="2286000" algn="l" defTabSz="914400" rtl="0" eaLnBrk="1" latinLnBrk="0" hangingPunct="1">
+      <a:defRPr sz="1800" kern="1200">
+        <a:solidFill>
+          <a:schemeClr val="tx1"/>
+        </a:solidFill>
+        <a:latin typeface="+mn-lt"/>
+        <a:ea typeface="+mn-ea"/>
+        <a:cs typeface="+mn-cs"/>
+      </a:defRPr>
+    </a:lvl6pPr>
+    <a:lvl7pPr marL="2743200" algn="l" defTabSz="914400" rtl="0" eaLnBrk="1" latinLnBrk="0" hangingPunct="1">
+      <a:defRPr sz="1800" kern="1200">
+        <a:solidFill>
+          <a:schemeClr val="tx1"/>
+        </a:solidFill>
+        <a:latin typeface="+mn-lt"/>
+        <a:ea typeface="+mn-ea"/>
+        <a:cs typeface="+mn-cs"/>
+      </a:defRPr>
+    </a:lvl7pPr>
+    <a:lvl8pPr marL="3200400" algn="l" defTabSz="914400" rtl="0" eaLnBrk="1" latinLnBrk="0" hangingPunct="1">
+      <a:defRPr sz="1800" kern="1200">
+        <a:solidFill>
+          <a:schemeClr val="tx1"/>
+        </a:solidFill>
+        <a:latin typeface="+mn-lt"/>
+        <a:ea typeface="+mn-ea"/>
+        <a:cs typeface="+mn-cs"/>
+      </a:defRPr>
+    </a:lvl8pPr>
+    <a:lvl9pPr marL="3657600" algn="l" defTabSz="914400" rtl="0" eaLnBrk="1" latinLnBrk="0" hangingPunct="1">
+      <a:defRPr sz="1800" kern="1200">
+        <a:solidFill>
+          <a:schemeClr val="tx1"/>
+        </a:solidFill>
+        <a:latin typeface="+mn-lt"/>
+        <a:ea typeface="+mn-ea"/>
+        <a:cs typeface="+mn-cs"/>
+      </a:defRPr>
+    </a:lvl9pPr>
+  </p:notesStyle>
+</p:notesMaster>
+</file>
+
+<file path=ppt/notesSlides/notesSlide1.xml><?xml version="1.0" encoding="utf-8"?>
+<p:notes xmlns:a="http://schemas.openxmlformats.org/drawingml/2006/main" xmlns:r="http://schemas.openxmlformats.org/officeDocument/2006/relationships" xmlns:p="http://schemas.openxmlformats.org/presentationml/2006/main">
+  <p:cSld>
+    <p:spTree>
+      <p:nvGrpSpPr>
+        <p:cNvPr id="1" name=""/>
+        <p:cNvGrpSpPr/>
+        <p:nvPr/>
+      </p:nvGrpSpPr>
+      <p:grpSpPr>
+        <a:xfrm>
+          <a:off x="0" y="0"/>
+          <a:ext cx="0" cy="0"/>
+          <a:chOff x="0" y="0"/>
+          <a:chExt cx="0" cy="0"/>
+        </a:xfrm>
+      </p:grpSpPr>
+      <p:sp>
+        <p:nvSpPr>
+          <p:cNvPr id="2" name="Slide Image Placeholder 1"/>
+          <p:cNvSpPr>
+            <a:spLocks noGrp="1" noRot="1" noChangeAspect="1"/>
+          </p:cNvSpPr>
+          <p:nvPr>
+            <p:ph type="sldImg"/>
+          </p:nvPr>
+        </p:nvSpPr>
+        <p:spPr/>
+      </p:sp>
+      <p:sp>
+        <p:nvSpPr>
+          <p:cNvPr id="3" name="Notes Placeholder 2"/>
+          <p:cNvSpPr>
+            <a:spLocks noGrp="1"/>
+          </p:cNvSpPr>
+          <p:nvPr>
+            <p:ph type="body" idx="1"/>
+          </p:nvPr>
+        </p:nvSpPr>
+        <p:spPr/>
+        <p:txBody>
+          <a:bodyPr/>
+          <a:lstStyle/>
+          <a:p>
+            <a:r>
+              <a:rPr lang="th-TH" dirty="0" smtClean="0"/>
+              <a:t>ทุกครั้งที่มีการ </a:t>
+            </a:r>
+            <a:r>
+              <a:rPr lang="en-US" dirty="0" smtClean="0"/>
+              <a:t>commit </a:t>
+            </a:r>
+            <a:r>
+              <a:rPr lang="th-TH" dirty="0" smtClean="0"/>
+              <a:t>หรือบันทึกสถานะของโปรเจคลงใน </a:t>
+            </a:r>
+            <a:r>
+              <a:rPr lang="en-US" dirty="0" err="1" smtClean="0"/>
+              <a:t>Git</a:t>
+            </a:r>
+            <a:r>
+              <a:rPr lang="en-US" dirty="0" smtClean="0"/>
+              <a:t> </a:t>
+            </a:r>
+            <a:r>
+              <a:rPr lang="th-TH" dirty="0" smtClean="0"/>
+              <a:t>มันจะทำการถ่ายภาพของไฟล์ทั้งหมดในตอนนั้นและบันทึกการอ้างอิงไปยัง </a:t>
+            </a:r>
+            <a:r>
+              <a:rPr lang="en-US" dirty="0" smtClean="0"/>
+              <a:t>snapshot </a:t>
+            </a:r>
+            <a:r>
+              <a:rPr lang="th-TH" dirty="0" smtClean="0"/>
+              <a:t>นั้น เพื่อให้การจัดเก็บนั้นมีประสิทธิภาพ ถ้าไฟล์ใดที่ไม่ได้มีการเปลี่ยนแปลง </a:t>
+            </a:r>
+            <a:r>
+              <a:rPr lang="en-US" dirty="0" err="1" smtClean="0"/>
+              <a:t>Git</a:t>
+            </a:r>
+            <a:r>
+              <a:rPr lang="en-US" dirty="0" smtClean="0"/>
+              <a:t> </a:t>
+            </a:r>
+            <a:r>
+              <a:rPr lang="th-TH" dirty="0" smtClean="0"/>
+              <a:t>ก็จะไม่บันทึกไฟล์นั้นอีกครั้ง เพียงแต่จะทำการเชื่อมโยงไปยังไฟล์เดิมที่เคยถูกบันทึกเอาไว้อยู่แล้ว</a:t>
+            </a:r>
+            <a:endParaRPr lang="th-TH" dirty="0"/>
+          </a:p>
+        </p:txBody>
+      </p:sp>
+      <p:sp>
+        <p:nvSpPr>
+          <p:cNvPr id="4" name="Slide Number Placeholder 3"/>
+          <p:cNvSpPr>
+            <a:spLocks noGrp="1"/>
+          </p:cNvSpPr>
+          <p:nvPr>
+            <p:ph type="sldNum" sz="quarter" idx="10"/>
+          </p:nvPr>
+        </p:nvSpPr>
+        <p:spPr/>
+        <p:txBody>
+          <a:bodyPr/>
+          <a:lstStyle/>
+          <a:p>
+            <a:fld id="{FFC2B25E-DF71-4B65-AF76-D6E860F5255F}" type="slidenum">
+              <a:rPr lang="th-TH" smtClean="0"/>
+              <a:t>8</a:t>
+            </a:fld>
+            <a:endParaRPr lang="th-TH"/>
+          </a:p>
+        </p:txBody>
+      </p:sp>
+    </p:spTree>
+    <p:extLst>
+      <p:ext uri="{BB962C8B-B14F-4D97-AF65-F5344CB8AC3E}">
+        <p14:creationId xmlns:p14="http://schemas.microsoft.com/office/powerpoint/2010/main" val="3417563026"/>
+      </p:ext>
+    </p:extLst>
+  </p:cSld>
+  <p:clrMapOvr>
+    <a:masterClrMapping/>
+  </p:clrMapOvr>
+</p:notes>
 </file>
 
 <file path=ppt/slideLayouts/slideLayout1.xml><?xml version="1.0" encoding="utf-8"?>
@@ -3630,6 +4115,49 @@
           <a:bodyPr/>
           <a:lstStyle/>
           <a:p>
+            <a:r>
+              <a:rPr lang="th-TH" dirty="0"/>
+              <a:t>เก็บไฟล์ทั้งหมดไว้ในที่เดียวและผู้ใช้หลาย ๆ คนสามารถต่อเข้ามาเพื่อดึงไฟล์จากศูนย์กลางนี้ไปแก้ไข</a:t>
+            </a:r>
+            <a:r>
+              <a:rPr lang="th-TH" dirty="0" smtClean="0"/>
+              <a:t>ได้</a:t>
+            </a:r>
+            <a:endParaRPr lang="en-US" dirty="0" smtClean="0"/>
+          </a:p>
+          <a:p>
+            <a:r>
+              <a:rPr lang="th-TH" dirty="0"/>
+              <a:t>สามารถรู้ได้ว่าคนอื่นในโปรเจคกำลังทำ</a:t>
+            </a:r>
+            <a:r>
+              <a:rPr lang="th-TH" dirty="0" smtClean="0"/>
+              <a:t>อะไร</a:t>
+            </a:r>
+          </a:p>
+          <a:p>
+            <a:r>
+              <a:rPr lang="th-TH" dirty="0"/>
+              <a:t>ผู้ควบคุมระบบสามารถควบคุมได้อย่าง</a:t>
+            </a:r>
+            <a:r>
+              <a:rPr lang="th-TH" dirty="0" smtClean="0"/>
+              <a:t>ละเอียด เช่น ใครสา</a:t>
+            </a:r>
+            <a:r>
+              <a:rPr lang="th-TH" dirty="0"/>
+              <a:t>มารถแก้ไขอะไรได้</a:t>
+            </a:r>
+            <a:r>
+              <a:rPr lang="th-TH" dirty="0" smtClean="0"/>
+              <a:t>บ้าง</a:t>
+            </a:r>
+          </a:p>
+          <a:p>
+            <a:r>
+              <a:rPr lang="th-TH" dirty="0" smtClean="0"/>
+              <a:t>ถ้าศูนย์กลางมีปัญหาจะทำอะไรไม่ได้เลย</a:t>
+            </a:r>
             <a:endParaRPr lang="th-TH" dirty="0"/>
           </a:p>
         </p:txBody>
@@ -3638,6 +4166,628 @@
     <p:extLst>
       <p:ext uri="{BB962C8B-B14F-4D97-AF65-F5344CB8AC3E}">
         <p14:creationId xmlns:p14="http://schemas.microsoft.com/office/powerpoint/2010/main" val="2801577566"/>
+      </p:ext>
+    </p:extLst>
+  </p:cSld>
+  <p:clrMapOvr>
+    <a:masterClrMapping/>
+  </p:clrMapOvr>
+</p:sld>
+</file>
+
+<file path=ppt/slides/slide6.xml><?xml version="1.0" encoding="utf-8"?>
+<p:sld xmlns:a="http://schemas.openxmlformats.org/drawingml/2006/main" xmlns:r="http://schemas.openxmlformats.org/officeDocument/2006/relationships" xmlns:p="http://schemas.openxmlformats.org/presentationml/2006/main">
+  <p:cSld>
+    <p:spTree>
+      <p:nvGrpSpPr>
+        <p:cNvPr id="1" name=""/>
+        <p:cNvGrpSpPr/>
+        <p:nvPr/>
+      </p:nvGrpSpPr>
+      <p:grpSpPr>
+        <a:xfrm>
+          <a:off x="0" y="0"/>
+          <a:ext cx="0" cy="0"/>
+          <a:chOff x="0" y="0"/>
+          <a:chExt cx="0" cy="0"/>
+        </a:xfrm>
+      </p:grpSpPr>
+      <p:sp>
+        <p:nvSpPr>
+          <p:cNvPr id="2" name="Title 1"/>
+          <p:cNvSpPr>
+            <a:spLocks noGrp="1"/>
+          </p:cNvSpPr>
+          <p:nvPr>
+            <p:ph type="title"/>
+          </p:nvPr>
+        </p:nvSpPr>
+        <p:spPr/>
+        <p:txBody>
+          <a:bodyPr>
+            <a:normAutofit fontScale="90000"/>
+          </a:bodyPr>
+          <a:lstStyle/>
+          <a:p>
+            <a:r>
+              <a:rPr lang="en-US" dirty="0" smtClean="0"/>
+              <a:t>Version </a:t>
+            </a:r>
+            <a:r>
+              <a:rPr lang="en-US" dirty="0"/>
+              <a:t>Control Systems </a:t>
+            </a:r>
+            <a:r>
+              <a:rPr lang="th-TH" dirty="0"/>
+              <a:t>แบบกระจายศูนย์</a:t>
+            </a:r>
+          </a:p>
+        </p:txBody>
+      </p:sp>
+      <p:sp>
+        <p:nvSpPr>
+          <p:cNvPr id="3" name="Content Placeholder 2"/>
+          <p:cNvSpPr>
+            <a:spLocks noGrp="1"/>
+          </p:cNvSpPr>
+          <p:nvPr>
+            <p:ph idx="1"/>
+          </p:nvPr>
+        </p:nvSpPr>
+        <p:spPr/>
+        <p:txBody>
+          <a:bodyPr/>
+          <a:lstStyle/>
+          <a:p>
+            <a:r>
+              <a:rPr lang="th-TH" dirty="0" smtClean="0"/>
+              <a:t>ศูนย์กลางมีปัญหาก็ยังสามารถใช้งานได้โดยเก็บเป็น </a:t>
+            </a:r>
+            <a:r>
+              <a:rPr lang="en-US" dirty="0" smtClean="0"/>
+              <a:t>Repository</a:t>
+            </a:r>
+          </a:p>
+          <a:p>
+            <a:endParaRPr lang="th-TH" dirty="0"/>
+          </a:p>
+        </p:txBody>
+      </p:sp>
+      <p:sp>
+        <p:nvSpPr>
+          <p:cNvPr id="4" name="AutoShape 5" descr="data:image/jpeg;base64,/9j/4AAQSkZJRgABAQAAAQABAAD/2wCEAAkGBhQSEBUUExIUEBQVFBUXFxEUGBMYFxoZFBQVFxQWGB4XHCYgGx0jHBceHzIkIycpMC4zGR89NTArNSgsLCoBCQoKDgwOGg8PGjYeHiQ2NS8pLSwvNCwwNTUqNS0pNTQsNSw1LCw0Li8pLSwuKiwsLCw1NDQ1LC4vLCwtKTUvKf/AABEIAJgAmAMBIgACEQEDEQH/xAAcAAEAAgIDAQAAAAAAAAAAAAAABgcCBQEDBAj/xABNEAABAwICBgQHCwgJBQAAAAABAAIDBBEFIQYHEjFBURMiYXEXMlOBkrHRFBUjM0JVc5Ghs8EINFJicrLS0xYkNVR0dYKT1CWiw+Hw/8QAGwEBAAMBAQEBAAAAAAAAAAAAAAQFBgMBAgf/xAAyEQACAgAEAgYKAgMAAAAAAAAAAQIDBAURMRIhEzJRYcHRFCIzNEFxgbHh8EKhFVKR/9oADAMBAAIRAxEAPwC8UREAREQBERAEREAWtr9JaWB4ZNUwQvNrMklja7Pdk4gqD6zNaBpne4qEdNXSdXq9YRbXE832zAOQ3nkYhhmqmF0ZdWvknqZLufIHuyceR+Ue03uoWLx1WFS6R7/BbnWuqVmxe0cocLggg5ghZqgtH9JKjAakU9S501DIfgpczsd3K3ym+cdt6UNc2VjXscHNcAQ4G4IIuCFJrsjbFTg9UznKLi9GelERdDwIiIAiIgCIiAIiIAiIgCIiAKsNZes90T/cGH/DVr+q5zcxFff2bds88m7ysNZOs17ZPe/Dfhat/VfK3MRcwDu2wN53N793g0N0MZQsLnHpah+ckxz35lrb52vx3neeAFbj8whhIdsnsvPuO9NLsfcYaGaFto2mSQ9NUyXMkxufGzLWk52vvO8/YpOiiPhKp/d/uSx8fo+nu3Y2/wBHuv1b8+zNYtq/FzlPrPd/vgWnqVpLYkOMYRFVQuimbtMd9YPBzTwI5qGaL6SzYFUilqnGSjkJ6KfOzbn7Bnm3hvGSsBeDG8Eiq4XQzN2mnceLTwc08CFKy7MJYSWj5xe68Uc7qVYu8sWjrGyNDmkOBAIIzBB3ELvVC6I6WTYJUiirXF1K4/A1Gdmi/wC7zHyT2K9KapD2hzSCCLgjtW5rsjZFTg9UypacXozuREX2eBERAEREAREQBERAFVGsbWZI6U4dhh6Spddss7d0Q+U1p3Bw4u+T37unWJrKlnmOG4WduZ12zVLTkwbnNa7hbi7huGay0R0QioYrN68rvjJjvceQ5NHL681WZhmEMJHRc5PZeLO9NLsfcYaH6HR0MflJn/GTHeeOy2+5t/r3lSFFi94aCSQAASSdwAzJKw1lk7Zuc3q2W0YqK0RGtYOlHuKkJabTS3ZHzGXWf/pH2kKg9rO/Hfdb7TfSY1tW6QX6NvUibyYDv73HPz9i0C3GWYP0ann1nzfl9Cqvt45ctkX5q+0o920gLjeaKzJOZy6r/wDUPtBUoXz1oTpKaKrbIb9G7qSt5sPHvacx3dq+g45A4AggggEEbiDmCFmM0wfo12serLmvIn4e3jjz3Rr8fwCKsgdFKLg5tcPGa7g5vb61FtC9MJsHqRQVzr05PwFRnsgXyz/Q/dPYp2tXpFo7FWwGKUdrXjxmO4Ob7OK9y7MZYWXDLnB793ehfQrFqtyzKeoDwCDcFdqozQbTSbCqgYfXn4LdBUG+zYmzRc/J4fqnI5brvhmDhcZrcQnGcVKL1TKlpp6M7ERF9HgREQBEXBKA5VO6wtY0tXMcNws7Tjds9U09Vo3Oa1w3Abi7zBYae6wpa+Z2HYWbg3E9WD1dnc5rXDc3gXDfuHbsNF9F4qGHo4xdxsXynxnnt5AcBwVVmOYxwseFc5vZeLJFNDser2MNFNE4qCHYZ1nut0kpGbj+DRwH4rdoiw9lkrJOc3q2WySitEFCdbOJSx0QZG11pXbEjwDk0C+zlu2t3cDzU2XC6Ye1VWxsa10+B5OPFFrY+XXtI3gjvWN1Z+u0del/Zl9bFWK3+ExHpFMbdNNfPQprIcEnE5Y0ncCe5XTqkxeSWkdFI11oHBrHkHNrrkMz4t9RHJRbUwP65L9AfvGK41n86xabeHcexp6kzC1/z1CIizJPNRpNo1FWwGKQWO9kg8ZjuY7OY4rSaA6dTYdUDDsQNhkIagnqkHJoJO9p4HhuKmS0ulWi0VdCY5Oq4XMcoGbHfiDxHHvVxluZPCy4J84P+u9eJGvoVi1W5akUocLhZqk9Xmn0tFOMOxE7LhYQzuOThua0k7weDvMc1dMUgcLhbaMlJKUXqmVTWj0ZmiIvo8CpvWJppUV9U/C8POw1txU1IJtYZPZcbmjceLjluve5FQOHz+9eM1lPUjYbVS9JFOfFIL5HMueR6QgngWqLjLLK6ZTrWslsdK4qUkpbEs0b0biooRHEM975D4z3cz+A4Laoi/O5zlOTlJ6tl0kktEERF8noREQFVa7vHpf2ZfWxVgrP13ePS/sy+tirBbzKfdIfX7sqMT7Rlg6l/wA8l+gP3jFcapzUv+eS/Qf+RiuNZvOven8kTsL7MIiKnJIREQGi0t0Tjr4dh/Vkbcxyje08jzaeI/FeLVxrBlppve7ETsyNs2KZxyePktJ434O47jmpUojrMwSKahklfZskDdpknHeOp3HlzsrvKswlRNVS5xf9N/vMiYilTXEty6Y5ARcIoPqkx2Spw6F0pLnhuyXHedklod5wEW1KsnSjGnmg0OJU5jkGy8XMcoHWY7n2g8RxUnRAUJo1pFNRVHvdiPVe2whnPiubuaCTvB4HzFT5bHWBoBDidOWP6kjbmKYDNrvxaeI/FVlorpNNTT+92I9SZlmxTOOTx8kF3G/yXcdxzWWzXK9Nb6V814rxLDD4j+EvoTxERZgnhERAVVru8el/Zl9bFWBVn67vHpf2ZfWxVgt5lPukPr92VGJ9ozcaJaSPoalsrRtDxXs/SYSLjsOVweYX0FhuIxzxMlidtseLg+sHkQciF84UWFyTNkdG3a6Jm28Dfs3ALhztcX7O5SfV1psaOXopT/V5Dn+o7cHjs4H/ANKLmuBWITsr68d12/nsOmHu4HpLZl5IuGuBAINwcwRuIO4hcrGlmEReevr44I3SSuEbGC5cf/sz2L1Jt6IHNZWsijdJI4MYwXc47gFV9TVVGO1IjiDoqNjvO4jiebuQ3N79576jHakNaHQ0bHZDi4jiebvsb67v0T0SjpImta0NsFscsytUaW29b4Ls/JWX4jj9WOx6NE8AbSwMjaNkNAAHci3oCK+IYRFo8a0sjp5BCGS1M5btCnp2bbw29tt1yGsbcWu4i/BAbxQ7WJq9ixOCxsyZlzFMBm08jzaeI84zXcdMp/mqv9Gl/wCQuP6ZT/NVf6NL/wAhAVrolpTLDMcPxAGOoYdmOR26QfJBPEkbnfK7985Ue1h4U7E4h/0uuinZnHNs02XHZdae5afs3hdOjE+JxwhlXh9TI9uQlj6Elw/X2pG9Yc+Pry2ZZS+LpcOt915FhRieXDMk6LX+7qj5trvRpv564931HzbXejTfz1T/AOOxX+jJPT19pXeu7x6X9mX1sVYK3dY2jVdXuhMOH1LejDwekEI8YttbZkdyUN8FeJ/3KX62fxLY5bXKvDQhNaNa/dlZfJSsbRttTA/rk30B/fastM9V8zZy+jiMkUhv0bSLxk7xmfF5HhxWx1faKV9DUPkloKhzXR7IEfRE32mnPakblkp775T/ADbXejTfz1W4r0urFuyiOqaXyO9fRyr4ZvQ8+hmFy09DFFM7akaDcXvsguJay/Gwy9WQC3a1nvnP83V3o0389PfSf5urvRpv56o7MDi7Jubrer5/9JatrS01PTieJx08TpZXhjGi5J+wAcSeAVZMZUY9UjJ0VGx3VZz7Tzd28NwXdpDgOJ19S109FUMpmHqwRmMm3M3eAXHifqVg6O4kaSNrG4VWiwtkylt9+tHlmWLDrpLOc/t+SFfiOP1Y7Es0W0VjpYmta0NsLWCkICh39O5fmyv9Gl/nrYYHpnFUOdHaSGVltuCZpZI2+42O8HmCQrsiEhRcAogBUV0QF58Rec3GuLC7jsxQQBje4XOX6x5qVO3KLaG/GYj/AJjL9zAgPBrR03kwuljmijjlL5hGWybVgCxzrjZIz6qrQflD1dg40UGxe1/hgCeQO1a6lH5Rf9nQf4ofdSKpKfT0swd+HCBpD5NszudcjrNdZrbZHq2vfiUB9EaCaax4nS9Mxpjc1xZJETfZcADkbC4INwe/kpCVVv5PzIW0UoZO2SZ8gfJCLgxtA2WAhwF+JuMswFo9NtcdW+sdS4cLBrzGJAwPkkeDY7IIIAvcDK539gAu1YlUBi2tLGqNrIqlghkzcJJImhzm7rfomx4jmpzV6T4jJglLU0rOmqpXDpAyMO6vwlzs7hmGoCxCFiQvnzFdbGM0z+jn2YX2Dth8LAbG9jbzKz9HdIamHCn1uJPBOz0gjaxrC1hsI29rnkjfuuO1eAmRCxKoWHWbjNfO73GwgN63QwxteA3htOcCT9YusqbW/iTq2OGQRw3lijfF0YBBu1knjZgk3NuF0BepWJVe61NZjsPc2np2tM7m7Re4XDGkkNsOLjY78h23yhY1g43TwGeaNzoZB1JZIWgNLvFcNkD/ALt916C9FwVW+rzTiqrKOtlmc0vgYTGQwAAiKR2YG/NoUQwjXBiUhdGxjamV4Aja2MdU3u51m+Nlzy48EBexUN0ym6OuoJG5OJqIyRxbsxuDT2Bwv5zzXv0BrqqaiD6xrmz9LICHM2Dsi2zlbvzWr1gfnWH/AEk/3bEBaGHybUYPYi68J+Kb3IgPY7cotob8ZiP+Yy/cwKUlQihxmKgrKuKqeIGVE/uiGeQ7MbtuKNj4y45Ne10d7G1w4W3FARv8ov8As6D/ABQ+6kUD0O1kUdJhb6WekdVSOdKbFsXRkPA2QXOJcN3BvcrsxfFMLqmBlRUUM7A7aDZJoCAbEX8ffYrUe9GAfo4X/uU/8aArD8n/AA6R2IulaCImQva9/C79kNb35Xt2LS0lW/BccL54i/opZLjcXMlDgJGE5HquuPOMl9B0eP4dCwMiqaGJg3MjlpmtHcGuAXgxybCKwAVMtDPs+KXTQ7Q52c14cB2XQFM619ZEWJiFkET2MiLnF8gaHFzwBsgNJsABzz82dmaL6Rx0OjtPUS7mQ9VvF7y92wwdpP1AE8F7m4fgYiEQ97uja4uDTLAesRYuJL7k2yzJXfUuwiSFkL5KB8UV+jiMsBa2++w20B8/YbpDFLifuvERJM0vMjmRhp2nC2wyznNAYLAWvuaBxyuPGMcbjmC1YpI5Q5hYAyQMDnGNzJbNDHOvcNsO2y2BwjAf0cM/3IP41s8KxLDKZpbTz0UDXHaLY5oACbWuetyQFM6rNY8WGNminikc2RzXB8YaXBzQRsuDiMs+eRWnr9IBXY2ypDOjElTBZpzNmmNjSe0htz3q68Rw7BJ5TLKcPfITcv6aJpJ5uDZAHHtIKzkgwYyCQnDttuxZ/SU4I6MAMtZ2Vg0AdwQFZa9MJkjxFtRs3jlYwBxF27Udw5h81jbjcr26V644arDnwMgkbNKxrX7Wz0bLWLi0g3duyyH2Z2fiGNYfPGY5qmjlY7ex80Dgfrdv7Vp6PDMEiDhH7gbttLXXmjddp3i75CQO6yAhGp/+zsT+id9xKvJqDjHuyodbMU9ge+Vl/UrPoKjC4GPZDLQxNkFntZLAA4WIsetnkSPOsMLlwqmcXQSUMDnCxLJYQSL3setzQElKhGsD86w/6Sf7tikZ0po/75S/78P8SiGNYqyvr6ZtMemjp+kc+ZubC6QNa1jT8qwBJIyzCAtjCfim9yLsw+O0bR2IgPSvFiWFMmaWvaHA8CLoiAjj9WlKT8TH6LfYsfBlS+RZ6LfYiIB4MqXyLPRb7E8GVL5Fnot9iIgHgypfIs9FvsTwZUvkWei32IiAeDKl8iz0W+xcHVhSeRj9BvsREBz4MqXyLPRb7E8GVL5Fnot9iIgHgypfIs9FvsTwZUvkWei32IiAeDKl8iz0W+xPBlS+RZ6LfYiIANWVL5Fnot9i3GGaLRQ+K0BcIgN0AiIgP//Z"/>
+          <p:cNvSpPr>
+            <a:spLocks noChangeAspect="1" noChangeArrowheads="1"/>
+          </p:cNvSpPr>
+          <p:nvPr/>
+        </p:nvSpPr>
+        <p:spPr bwMode="auto">
+          <a:xfrm>
+            <a:off x="190500" y="-212725"/>
+            <a:ext cx="304800" cy="304800"/>
+          </a:xfrm>
+          <a:prstGeom prst="rect">
+            <a:avLst/>
+          </a:prstGeom>
+          <a:noFill/>
+          <a:extLst>
+            <a:ext uri="{909E8E84-426E-40DD-AFC4-6F175D3DCCD1}">
+              <a14:hiddenFill xmlns:a14="http://schemas.microsoft.com/office/drawing/2010/main">
+                <a:solidFill>
+                  <a:srgbClr val="FFFFFF"/>
+                </a:solidFill>
+              </a14:hiddenFill>
+            </a:ext>
+          </a:extLst>
+        </p:spPr>
+        <p:txBody>
+          <a:bodyPr vert="horz" wrap="square" lIns="91440" tIns="45720" rIns="91440" bIns="45720" numCol="1" anchor="t" anchorCtr="0" compatLnSpc="1">
+            <a:prstTxWarp prst="textNoShape">
+              <a:avLst/>
+            </a:prstTxWarp>
+          </a:bodyPr>
+          <a:lstStyle/>
+          <a:p>
+            <a:endParaRPr lang="th-TH"/>
+          </a:p>
+        </p:txBody>
+      </p:sp>
+    </p:spTree>
+    <p:extLst>
+      <p:ext uri="{BB962C8B-B14F-4D97-AF65-F5344CB8AC3E}">
+        <p14:creationId xmlns:p14="http://schemas.microsoft.com/office/powerpoint/2010/main" val="1898672938"/>
+      </p:ext>
+    </p:extLst>
+  </p:cSld>
+  <p:clrMapOvr>
+    <a:masterClrMapping/>
+  </p:clrMapOvr>
+</p:sld>
+</file>
+
+<file path=ppt/slides/slide7.xml><?xml version="1.0" encoding="utf-8"?>
+<p:sld xmlns:a="http://schemas.openxmlformats.org/drawingml/2006/main" xmlns:r="http://schemas.openxmlformats.org/officeDocument/2006/relationships" xmlns:p="http://schemas.openxmlformats.org/presentationml/2006/main">
+  <p:cSld>
+    <p:spTree>
+      <p:nvGrpSpPr>
+        <p:cNvPr id="1" name=""/>
+        <p:cNvGrpSpPr/>
+        <p:nvPr/>
+      </p:nvGrpSpPr>
+      <p:grpSpPr>
+        <a:xfrm>
+          <a:off x="0" y="0"/>
+          <a:ext cx="0" cy="0"/>
+          <a:chOff x="0" y="0"/>
+          <a:chExt cx="0" cy="0"/>
+        </a:xfrm>
+      </p:grpSpPr>
+      <p:sp>
+        <p:nvSpPr>
+          <p:cNvPr id="2" name="Title 1"/>
+          <p:cNvSpPr>
+            <a:spLocks noGrp="1"/>
+          </p:cNvSpPr>
+          <p:nvPr>
+            <p:ph type="title"/>
+          </p:nvPr>
+        </p:nvSpPr>
+        <p:spPr/>
+        <p:txBody>
+          <a:bodyPr/>
+          <a:lstStyle/>
+          <a:p>
+            <a:r>
+              <a:rPr lang="th-TH" dirty="0" smtClean="0"/>
+              <a:t>เครื่องมือ </a:t>
+            </a:r>
+            <a:r>
+              <a:rPr lang="en-US" dirty="0" smtClean="0"/>
+              <a:t>VCS</a:t>
+            </a:r>
+            <a:endParaRPr lang="th-TH" dirty="0"/>
+          </a:p>
+        </p:txBody>
+      </p:sp>
+      <p:sp>
+        <p:nvSpPr>
+          <p:cNvPr id="3" name="Content Placeholder 2"/>
+          <p:cNvSpPr>
+            <a:spLocks noGrp="1"/>
+          </p:cNvSpPr>
+          <p:nvPr>
+            <p:ph idx="1"/>
+          </p:nvPr>
+        </p:nvSpPr>
+        <p:spPr/>
+        <p:txBody>
+          <a:bodyPr/>
+          <a:lstStyle/>
+          <a:p>
+            <a:r>
+              <a:rPr lang="en-US" dirty="0" smtClean="0"/>
+              <a:t>Subversion</a:t>
+            </a:r>
+          </a:p>
+          <a:p>
+            <a:r>
+              <a:rPr lang="en-US" dirty="0" smtClean="0"/>
+              <a:t>Perforce</a:t>
+            </a:r>
+          </a:p>
+          <a:p>
+            <a:r>
+              <a:rPr lang="en-US" dirty="0" err="1" smtClean="0"/>
+              <a:t>Git</a:t>
+            </a:r>
+            <a:endParaRPr lang="en-US" dirty="0" smtClean="0"/>
+          </a:p>
+          <a:p>
+            <a:r>
+              <a:rPr lang="th-TH" dirty="0" smtClean="0"/>
+              <a:t>ฯลฯ</a:t>
+            </a:r>
+            <a:endParaRPr lang="th-TH" dirty="0"/>
+          </a:p>
+        </p:txBody>
+      </p:sp>
+    </p:spTree>
+    <p:extLst>
+      <p:ext uri="{BB962C8B-B14F-4D97-AF65-F5344CB8AC3E}">
+        <p14:creationId xmlns:p14="http://schemas.microsoft.com/office/powerpoint/2010/main" val="3519331299"/>
+      </p:ext>
+    </p:extLst>
+  </p:cSld>
+  <p:clrMapOvr>
+    <a:masterClrMapping/>
+  </p:clrMapOvr>
+</p:sld>
+</file>
+
+<file path=ppt/slides/slide8.xml><?xml version="1.0" encoding="utf-8"?>
+<p:sld xmlns:a="http://schemas.openxmlformats.org/drawingml/2006/main" xmlns:r="http://schemas.openxmlformats.org/officeDocument/2006/relationships" xmlns:p="http://schemas.openxmlformats.org/presentationml/2006/main">
+  <p:cSld>
+    <p:spTree>
+      <p:nvGrpSpPr>
+        <p:cNvPr id="1" name=""/>
+        <p:cNvGrpSpPr/>
+        <p:nvPr/>
+      </p:nvGrpSpPr>
+      <p:grpSpPr>
+        <a:xfrm>
+          <a:off x="0" y="0"/>
+          <a:ext cx="0" cy="0"/>
+          <a:chOff x="0" y="0"/>
+          <a:chExt cx="0" cy="0"/>
+        </a:xfrm>
+      </p:grpSpPr>
+      <p:sp>
+        <p:nvSpPr>
+          <p:cNvPr id="2" name="Title 1"/>
+          <p:cNvSpPr>
+            <a:spLocks noGrp="1"/>
+          </p:cNvSpPr>
+          <p:nvPr>
+            <p:ph type="title"/>
+          </p:nvPr>
+        </p:nvSpPr>
+        <p:spPr/>
+        <p:txBody>
+          <a:bodyPr/>
+          <a:lstStyle/>
+          <a:p>
+            <a:r>
+              <a:rPr lang="en-US" dirty="0" err="1"/>
+              <a:t>Git</a:t>
+            </a:r>
+            <a:r>
+              <a:rPr lang="en-US" dirty="0"/>
+              <a:t> </a:t>
+            </a:r>
+            <a:r>
+              <a:rPr lang="th-TH" dirty="0"/>
+              <a:t>ขั้นพื้นฐาน</a:t>
+            </a:r>
+          </a:p>
+        </p:txBody>
+      </p:sp>
+      <p:sp>
+        <p:nvSpPr>
+          <p:cNvPr id="3" name="Content Placeholder 2"/>
+          <p:cNvSpPr>
+            <a:spLocks noGrp="1"/>
+          </p:cNvSpPr>
+          <p:nvPr>
+            <p:ph idx="1"/>
+          </p:nvPr>
+        </p:nvSpPr>
+        <p:spPr/>
+        <p:txBody>
+          <a:bodyPr/>
+          <a:lstStyle/>
+          <a:p>
+            <a:r>
+              <a:rPr lang="th-TH" dirty="0" smtClean="0"/>
+              <a:t>เก็บเป็น </a:t>
+            </a:r>
+            <a:r>
+              <a:rPr lang="en-US" dirty="0"/>
+              <a:t>Snapshot </a:t>
+            </a:r>
+            <a:r>
+              <a:rPr lang="th-TH" dirty="0"/>
+              <a:t>แทนผลต่าง</a:t>
+            </a:r>
+          </a:p>
+        </p:txBody>
+      </p:sp>
+      <p:pic>
+        <p:nvPicPr>
+          <p:cNvPr id="4" name="Picture 2"/>
+          <p:cNvPicPr>
+            <a:picLocks noChangeAspect="1" noChangeArrowheads="1"/>
+          </p:cNvPicPr>
+          <p:nvPr/>
+        </p:nvPicPr>
+        <p:blipFill>
+          <a:blip r:embed="rId3">
+            <a:extLst>
+              <a:ext uri="{28A0092B-C50C-407E-A947-70E740481C1C}">
+                <a14:useLocalDpi xmlns:a14="http://schemas.microsoft.com/office/drawing/2010/main" val="0"/>
+              </a:ext>
+            </a:extLst>
+          </a:blip>
+          <a:srcRect/>
+          <a:stretch>
+            <a:fillRect/>
+          </a:stretch>
+        </p:blipFill>
+        <p:spPr bwMode="auto">
+          <a:xfrm>
+            <a:off x="2595562" y="5786437"/>
+            <a:ext cx="1071563" cy="1071563"/>
+          </a:xfrm>
+          <a:prstGeom prst="rect">
+            <a:avLst/>
+          </a:prstGeom>
+          <a:noFill/>
+          <a:ln>
+            <a:noFill/>
+          </a:ln>
+          <a:extLst>
+            <a:ext uri="{909E8E84-426E-40DD-AFC4-6F175D3DCCD1}">
+              <a14:hiddenFill xmlns:a14="http://schemas.microsoft.com/office/drawing/2010/main">
+                <a:solidFill>
+                  <a:schemeClr val="accent1"/>
+                </a:solidFill>
+              </a14:hiddenFill>
+            </a:ext>
+            <a:ext uri="{91240B29-F687-4F45-9708-019B960494DF}">
+              <a14:hiddenLine xmlns:a14="http://schemas.microsoft.com/office/drawing/2010/main" w="9525">
+                <a:solidFill>
+                  <a:schemeClr val="tx1"/>
+                </a:solidFill>
+                <a:miter lim="800000"/>
+                <a:headEnd/>
+                <a:tailEnd/>
+              </a14:hiddenLine>
+            </a:ext>
+          </a:extLst>
+        </p:spPr>
+      </p:pic>
+      <p:pic>
+        <p:nvPicPr>
+          <p:cNvPr id="5" name="Picture 3"/>
+          <p:cNvPicPr>
+            <a:picLocks noChangeAspect="1" noChangeArrowheads="1"/>
+          </p:cNvPicPr>
+          <p:nvPr/>
+        </p:nvPicPr>
+        <p:blipFill>
+          <a:blip r:embed="rId4">
+            <a:extLst>
+              <a:ext uri="{28A0092B-C50C-407E-A947-70E740481C1C}">
+                <a14:useLocalDpi xmlns:a14="http://schemas.microsoft.com/office/drawing/2010/main" val="0"/>
+              </a:ext>
+            </a:extLst>
+          </a:blip>
+          <a:srcRect/>
+          <a:stretch>
+            <a:fillRect/>
+          </a:stretch>
+        </p:blipFill>
+        <p:spPr bwMode="auto">
+          <a:xfrm>
+            <a:off x="3886200" y="5786437"/>
+            <a:ext cx="762000" cy="914400"/>
+          </a:xfrm>
+          <a:prstGeom prst="rect">
+            <a:avLst/>
+          </a:prstGeom>
+          <a:noFill/>
+          <a:ln>
+            <a:noFill/>
+          </a:ln>
+          <a:extLst>
+            <a:ext uri="{909E8E84-426E-40DD-AFC4-6F175D3DCCD1}">
+              <a14:hiddenFill xmlns:a14="http://schemas.microsoft.com/office/drawing/2010/main">
+                <a:solidFill>
+                  <a:schemeClr val="accent1"/>
+                </a:solidFill>
+              </a14:hiddenFill>
+            </a:ext>
+            <a:ext uri="{91240B29-F687-4F45-9708-019B960494DF}">
+              <a14:hiddenLine xmlns:a14="http://schemas.microsoft.com/office/drawing/2010/main" w="9525">
+                <a:solidFill>
+                  <a:schemeClr val="tx1"/>
+                </a:solidFill>
+                <a:miter lim="800000"/>
+                <a:headEnd/>
+                <a:tailEnd/>
+              </a14:hiddenLine>
+            </a:ext>
+          </a:extLst>
+        </p:spPr>
+      </p:pic>
+      <p:pic>
+        <p:nvPicPr>
+          <p:cNvPr id="6" name="Picture 6"/>
+          <p:cNvPicPr>
+            <a:picLocks noChangeAspect="1" noChangeArrowheads="1"/>
+          </p:cNvPicPr>
+          <p:nvPr/>
+        </p:nvPicPr>
+        <p:blipFill>
+          <a:blip r:embed="rId5">
+            <a:extLst>
+              <a:ext uri="{28A0092B-C50C-407E-A947-70E740481C1C}">
+                <a14:useLocalDpi xmlns:a14="http://schemas.microsoft.com/office/drawing/2010/main" val="0"/>
+              </a:ext>
+            </a:extLst>
+          </a:blip>
+          <a:srcRect/>
+          <a:stretch>
+            <a:fillRect/>
+          </a:stretch>
+        </p:blipFill>
+        <p:spPr bwMode="auto">
+          <a:xfrm>
+            <a:off x="4940105" y="5778193"/>
+            <a:ext cx="914400" cy="914400"/>
+          </a:xfrm>
+          <a:prstGeom prst="rect">
+            <a:avLst/>
+          </a:prstGeom>
+          <a:noFill/>
+          <a:ln>
+            <a:noFill/>
+          </a:ln>
+          <a:extLst>
+            <a:ext uri="{909E8E84-426E-40DD-AFC4-6F175D3DCCD1}">
+              <a14:hiddenFill xmlns:a14="http://schemas.microsoft.com/office/drawing/2010/main">
+                <a:solidFill>
+                  <a:schemeClr val="accent1"/>
+                </a:solidFill>
+              </a14:hiddenFill>
+            </a:ext>
+            <a:ext uri="{91240B29-F687-4F45-9708-019B960494DF}">
+              <a14:hiddenLine xmlns:a14="http://schemas.microsoft.com/office/drawing/2010/main" w="9525">
+                <a:solidFill>
+                  <a:schemeClr val="tx1"/>
+                </a:solidFill>
+                <a:miter lim="800000"/>
+                <a:headEnd/>
+                <a:tailEnd/>
+              </a14:hiddenLine>
+            </a:ext>
+          </a:extLst>
+        </p:spPr>
+      </p:pic>
+      <p:pic>
+        <p:nvPicPr>
+          <p:cNvPr id="3074" name="Picture 2"/>
+          <p:cNvPicPr>
+            <a:picLocks noChangeAspect="1" noChangeArrowheads="1"/>
+          </p:cNvPicPr>
+          <p:nvPr/>
+        </p:nvPicPr>
+        <p:blipFill>
+          <a:blip r:embed="rId6">
+            <a:extLst>
+              <a:ext uri="{28A0092B-C50C-407E-A947-70E740481C1C}">
+                <a14:useLocalDpi xmlns:a14="http://schemas.microsoft.com/office/drawing/2010/main" val="0"/>
+              </a:ext>
+            </a:extLst>
+          </a:blip>
+          <a:srcRect/>
+          <a:stretch>
+            <a:fillRect/>
+          </a:stretch>
+        </p:blipFill>
+        <p:spPr bwMode="auto">
+          <a:xfrm>
+            <a:off x="634804" y="2057400"/>
+            <a:ext cx="7894595" cy="3505200"/>
+          </a:xfrm>
+          <a:prstGeom prst="rect">
+            <a:avLst/>
+          </a:prstGeom>
+          <a:noFill/>
+          <a:ln>
+            <a:noFill/>
+          </a:ln>
+          <a:extLst>
+            <a:ext uri="{909E8E84-426E-40DD-AFC4-6F175D3DCCD1}">
+              <a14:hiddenFill xmlns:a14="http://schemas.microsoft.com/office/drawing/2010/main">
+                <a:solidFill>
+                  <a:schemeClr val="accent1"/>
+                </a:solidFill>
+              </a14:hiddenFill>
+            </a:ext>
+            <a:ext uri="{91240B29-F687-4F45-9708-019B960494DF}">
+              <a14:hiddenLine xmlns:a14="http://schemas.microsoft.com/office/drawing/2010/main" w="9525">
+                <a:solidFill>
+                  <a:schemeClr val="tx1"/>
+                </a:solidFill>
+                <a:miter lim="800000"/>
+                <a:headEnd/>
+                <a:tailEnd/>
+              </a14:hiddenLine>
+            </a:ext>
+          </a:extLst>
+        </p:spPr>
+      </p:pic>
+    </p:spTree>
+    <p:extLst>
+      <p:ext uri="{BB962C8B-B14F-4D97-AF65-F5344CB8AC3E}">
+        <p14:creationId xmlns:p14="http://schemas.microsoft.com/office/powerpoint/2010/main" val="1369796496"/>
+      </p:ext>
+    </p:extLst>
+  </p:cSld>
+  <p:clrMapOvr>
+    <a:masterClrMapping/>
+  </p:clrMapOvr>
+</p:sld>
+</file>
+
+<file path=ppt/slides/slide9.xml><?xml version="1.0" encoding="utf-8"?>
+<p:sld xmlns:a="http://schemas.openxmlformats.org/drawingml/2006/main" xmlns:r="http://schemas.openxmlformats.org/officeDocument/2006/relationships" xmlns:p="http://schemas.openxmlformats.org/presentationml/2006/main">
+  <p:cSld>
+    <p:spTree>
+      <p:nvGrpSpPr>
+        <p:cNvPr id="1" name=""/>
+        <p:cNvGrpSpPr/>
+        <p:nvPr/>
+      </p:nvGrpSpPr>
+      <p:grpSpPr>
+        <a:xfrm>
+          <a:off x="0" y="0"/>
+          <a:ext cx="0" cy="0"/>
+          <a:chOff x="0" y="0"/>
+          <a:chExt cx="0" cy="0"/>
+        </a:xfrm>
+      </p:grpSpPr>
+      <p:sp>
+        <p:nvSpPr>
+          <p:cNvPr id="2" name="Title 1"/>
+          <p:cNvSpPr>
+            <a:spLocks noGrp="1"/>
+          </p:cNvSpPr>
+          <p:nvPr>
+            <p:ph type="title"/>
+          </p:nvPr>
+        </p:nvSpPr>
+        <p:spPr/>
+        <p:txBody>
+          <a:bodyPr/>
+          <a:lstStyle/>
+          <a:p>
+            <a:r>
+              <a:rPr lang="en-US" dirty="0" err="1"/>
+              <a:t>Git</a:t>
+            </a:r>
+            <a:r>
+              <a:rPr lang="en-US" dirty="0"/>
+              <a:t> </a:t>
+            </a:r>
+            <a:r>
+              <a:rPr lang="th-TH" dirty="0"/>
+              <a:t>ขั้น</a:t>
+            </a:r>
+            <a:r>
+              <a:rPr lang="th-TH" dirty="0" smtClean="0"/>
+              <a:t>พื้นฐาน (ต่อ)</a:t>
+            </a:r>
+            <a:endParaRPr lang="th-TH" dirty="0"/>
+          </a:p>
+        </p:txBody>
+      </p:sp>
+      <p:sp>
+        <p:nvSpPr>
+          <p:cNvPr id="3" name="Content Placeholder 2"/>
+          <p:cNvSpPr>
+            <a:spLocks noGrp="1"/>
+          </p:cNvSpPr>
+          <p:nvPr>
+            <p:ph idx="1"/>
+          </p:nvPr>
+        </p:nvSpPr>
+        <p:spPr/>
+        <p:txBody>
+          <a:bodyPr/>
+          <a:lstStyle/>
+          <a:p>
+            <a:r>
+              <a:rPr lang="th-TH" dirty="0"/>
+              <a:t>การทำงานเกือบทุกอย่างเป็นการทำงานในเครื่องตัวเอง</a:t>
+            </a:r>
+          </a:p>
+        </p:txBody>
+      </p:sp>
+    </p:spTree>
+    <p:extLst>
+      <p:ext uri="{BB962C8B-B14F-4D97-AF65-F5344CB8AC3E}">
+        <p14:creationId xmlns:p14="http://schemas.microsoft.com/office/powerpoint/2010/main" val="2270567004"/>
       </p:ext>
     </p:extLst>
   </p:cSld>
@@ -3928,4 +5078,289 @@
   <a:objectDefaults/>
   <a:extraClrSchemeLst/>
 </a:theme>
+</file>
+
+<file path=ppt/theme/theme2.xml><?xml version="1.0" encoding="utf-8"?>
+<a:theme xmlns:a="http://schemas.openxmlformats.org/drawingml/2006/main" name="Office Theme">
+  <a:themeElements>
+    <a:clrScheme name="Office">
+      <a:dk1>
+        <a:sysClr val="windowText" lastClr="000000"/>
+      </a:dk1>
+      <a:lt1>
+        <a:sysClr val="window" lastClr="FFFFFF"/>
+      </a:lt1>
+      <a:dk2>
+        <a:srgbClr val="1F497D"/>
+      </a:dk2>
+      <a:lt2>
+        <a:srgbClr val="EEECE1"/>
+      </a:lt2>
+      <a:accent1>
+        <a:srgbClr val="4F81BD"/>
+      </a:accent1>
+      <a:accent2>
+        <a:srgbClr val="C0504D"/>
+      </a:accent2>
+      <a:accent3>
+        <a:srgbClr val="9BBB59"/>
+      </a:accent3>
+      <a:accent4>
+        <a:srgbClr val="8064A2"/>
+      </a:accent4>
+      <a:accent5>
+        <a:srgbClr val="4BACC6"/>
+      </a:accent5>
+      <a:accent6>
+        <a:srgbClr val="F79646"/>
+      </a:accent6>
+      <a:hlink>
+        <a:srgbClr val="0000FF"/>
+      </a:hlink>
+      <a:folHlink>
+        <a:srgbClr val="800080"/>
+      </a:folHlink>
+    </a:clrScheme>
+    <a:fontScheme name="Office">
+      <a:majorFont>
+        <a:latin typeface="Calibri"/>
+        <a:ea typeface=""/>
+        <a:cs typeface=""/>
+        <a:font script="Jpan" typeface="ＭＳ Ｐゴシック"/>
+        <a:font script="Hang" typeface="맑은 고딕"/>
+        <a:font script="Hans" typeface="宋体"/>
+        <a:font script="Hant" typeface="新細明體"/>
+        <a:font script="Arab" typeface="Times New Roman"/>
+        <a:font script="Hebr" typeface="Times New Roman"/>
+        <a:font script="Thai" typeface="Angsana New"/>
+        <a:font script="Ethi" typeface="Nyala"/>
+        <a:font script="Beng" typeface="Vrinda"/>
+        <a:font script="Gujr" typeface="Shruti"/>
+        <a:font script="Khmr" typeface="MoolBoran"/>
+        <a:font script="Knda" typeface="Tunga"/>
+        <a:font script="Guru" typeface="Raavi"/>
+        <a:font script="Cans" typeface="Euphemia"/>
+        <a:font script="Cher" typeface="Plantagenet Cherokee"/>
+        <a:font script="Yiii" typeface="Microsoft Yi Baiti"/>
+        <a:font script="Tibt" typeface="Microsoft Himalaya"/>
+        <a:font script="Thaa" typeface="MV Boli"/>
+        <a:font script="Deva" typeface="Mangal"/>
+        <a:font script="Telu" typeface="Gautami"/>
+        <a:font script="Taml" typeface="Latha"/>
+        <a:font script="Syrc" typeface="Estrangelo Edessa"/>
+        <a:font script="Orya" typeface="Kalinga"/>
+        <a:font script="Mlym" typeface="Kartika"/>
+        <a:font script="Laoo" typeface="DokChampa"/>
+        <a:font script="Sinh" typeface="Iskoola Pota"/>
+        <a:font script="Mong" typeface="Mongolian Baiti"/>
+        <a:font script="Viet" typeface="Times New Roman"/>
+        <a:font script="Uigh" typeface="Microsoft Uighur"/>
+        <a:font script="Geor" typeface="Sylfaen"/>
+      </a:majorFont>
+      <a:minorFont>
+        <a:latin typeface="Calibri"/>
+        <a:ea typeface=""/>
+        <a:cs typeface=""/>
+        <a:font script="Jpan" typeface="ＭＳ Ｐゴシック"/>
+        <a:font script="Hang" typeface="맑은 고딕"/>
+        <a:font script="Hans" typeface="宋体"/>
+        <a:font script="Hant" typeface="新細明體"/>
+        <a:font script="Arab" typeface="Arial"/>
+        <a:font script="Hebr" typeface="Arial"/>
+        <a:font script="Thai" typeface="Cordia New"/>
+        <a:font script="Ethi" typeface="Nyala"/>
+        <a:font script="Beng" typeface="Vrinda"/>
+        <a:font script="Gujr" typeface="Shruti"/>
+        <a:font script="Khmr" typeface="DaunPenh"/>
+        <a:font script="Knda" typeface="Tunga"/>
+        <a:font script="Guru" typeface="Raavi"/>
+        <a:font script="Cans" typeface="Euphemia"/>
+        <a:font script="Cher" typeface="Plantagenet Cherokee"/>
+        <a:font script="Yiii" typeface="Microsoft Yi Baiti"/>
+        <a:font script="Tibt" typeface="Microsoft Himalaya"/>
+        <a:font script="Thaa" typeface="MV Boli"/>
+        <a:font script="Deva" typeface="Mangal"/>
+        <a:font script="Telu" typeface="Gautami"/>
+        <a:font script="Taml" typeface="Latha"/>
+        <a:font script="Syrc" typeface="Estrangelo Edessa"/>
+        <a:font script="Orya" typeface="Kalinga"/>
+        <a:font script="Mlym" typeface="Kartika"/>
+        <a:font script="Laoo" typeface="DokChampa"/>
+        <a:font script="Sinh" typeface="Iskoola Pota"/>
+        <a:font script="Mong" typeface="Mongolian Baiti"/>
+        <a:font script="Viet" typeface="Arial"/>
+        <a:font script="Uigh" typeface="Microsoft Uighur"/>
+        <a:font script="Geor" typeface="Sylfaen"/>
+      </a:minorFont>
+    </a:fontScheme>
+    <a:fmtScheme name="Office">
+      <a:fillStyleLst>
+        <a:solidFill>
+          <a:schemeClr val="phClr"/>
+        </a:solidFill>
+        <a:gradFill rotWithShape="1">
+          <a:gsLst>
+            <a:gs pos="0">
+              <a:schemeClr val="phClr">
+                <a:tint val="50000"/>
+                <a:satMod val="300000"/>
+              </a:schemeClr>
+            </a:gs>
+            <a:gs pos="35000">
+              <a:schemeClr val="phClr">
+                <a:tint val="37000"/>
+                <a:satMod val="300000"/>
+              </a:schemeClr>
+            </a:gs>
+            <a:gs pos="100000">
+              <a:schemeClr val="phClr">
+                <a:tint val="15000"/>
+                <a:satMod val="350000"/>
+              </a:schemeClr>
+            </a:gs>
+          </a:gsLst>
+          <a:lin ang="16200000" scaled="1"/>
+        </a:gradFill>
+        <a:gradFill rotWithShape="1">
+          <a:gsLst>
+            <a:gs pos="0">
+              <a:schemeClr val="phClr">
+                <a:shade val="51000"/>
+                <a:satMod val="130000"/>
+              </a:schemeClr>
+            </a:gs>
+            <a:gs pos="80000">
+              <a:schemeClr val="phClr">
+                <a:shade val="93000"/>
+                <a:satMod val="130000"/>
+              </a:schemeClr>
+            </a:gs>
+            <a:gs pos="100000">
+              <a:schemeClr val="phClr">
+                <a:shade val="94000"/>
+                <a:satMod val="135000"/>
+              </a:schemeClr>
+            </a:gs>
+          </a:gsLst>
+          <a:lin ang="16200000" scaled="0"/>
+        </a:gradFill>
+      </a:fillStyleLst>
+      <a:lnStyleLst>
+        <a:ln w="9525" cap="flat" cmpd="sng" algn="ctr">
+          <a:solidFill>
+            <a:schemeClr val="phClr">
+              <a:shade val="95000"/>
+              <a:satMod val="105000"/>
+            </a:schemeClr>
+          </a:solidFill>
+          <a:prstDash val="solid"/>
+        </a:ln>
+        <a:ln w="25400" cap="flat" cmpd="sng" algn="ctr">
+          <a:solidFill>
+            <a:schemeClr val="phClr"/>
+          </a:solidFill>
+          <a:prstDash val="solid"/>
+        </a:ln>
+        <a:ln w="38100" cap="flat" cmpd="sng" algn="ctr">
+          <a:solidFill>
+            <a:schemeClr val="phClr"/>
+          </a:solidFill>
+          <a:prstDash val="solid"/>
+        </a:ln>
+      </a:lnStyleLst>
+      <a:effectStyleLst>
+        <a:effectStyle>
+          <a:effectLst>
+            <a:outerShdw blurRad="40000" dist="20000" dir="5400000" rotWithShape="0">
+              <a:srgbClr val="000000">
+                <a:alpha val="38000"/>
+              </a:srgbClr>
+            </a:outerShdw>
+          </a:effectLst>
+        </a:effectStyle>
+        <a:effectStyle>
+          <a:effectLst>
+            <a:outerShdw blurRad="40000" dist="23000" dir="5400000" rotWithShape="0">
+              <a:srgbClr val="000000">
+                <a:alpha val="35000"/>
+              </a:srgbClr>
+            </a:outerShdw>
+          </a:effectLst>
+        </a:effectStyle>
+        <a:effectStyle>
+          <a:effectLst>
+            <a:outerShdw blurRad="40000" dist="23000" dir="5400000" rotWithShape="0">
+              <a:srgbClr val="000000">
+                <a:alpha val="35000"/>
+              </a:srgbClr>
+            </a:outerShdw>
+          </a:effectLst>
+          <a:scene3d>
+            <a:camera prst="orthographicFront">
+              <a:rot lat="0" lon="0" rev="0"/>
+            </a:camera>
+            <a:lightRig rig="threePt" dir="t">
+              <a:rot lat="0" lon="0" rev="1200000"/>
+            </a:lightRig>
+          </a:scene3d>
+          <a:sp3d>
+            <a:bevelT w="63500" h="25400"/>
+          </a:sp3d>
+        </a:effectStyle>
+      </a:effectStyleLst>
+      <a:bgFillStyleLst>
+        <a:solidFill>
+          <a:schemeClr val="phClr"/>
+        </a:solidFill>
+        <a:gradFill rotWithShape="1">
+          <a:gsLst>
+            <a:gs pos="0">
+              <a:schemeClr val="phClr">
+                <a:tint val="40000"/>
+                <a:satMod val="350000"/>
+              </a:schemeClr>
+            </a:gs>
+            <a:gs pos="40000">
+              <a:schemeClr val="phClr">
+                <a:tint val="45000"/>
+                <a:shade val="99000"/>
+                <a:satMod val="350000"/>
+              </a:schemeClr>
+            </a:gs>
+            <a:gs pos="100000">
+              <a:schemeClr val="phClr">
+                <a:shade val="20000"/>
+                <a:satMod val="255000"/>
+              </a:schemeClr>
+            </a:gs>
+          </a:gsLst>
+          <a:path path="circle">
+            <a:fillToRect l="50000" t="-80000" r="50000" b="180000"/>
+          </a:path>
+        </a:gradFill>
+        <a:gradFill rotWithShape="1">
+          <a:gsLst>
+            <a:gs pos="0">
+              <a:schemeClr val="phClr">
+                <a:tint val="80000"/>
+                <a:satMod val="300000"/>
+              </a:schemeClr>
+            </a:gs>
+            <a:gs pos="100000">
+              <a:schemeClr val="phClr">
+                <a:shade val="30000"/>
+                <a:satMod val="200000"/>
+              </a:schemeClr>
+            </a:gs>
+          </a:gsLst>
+          <a:path path="circle">
+            <a:fillToRect l="50000" t="50000" r="50000" b="50000"/>
+          </a:path>
+        </a:gradFill>
+      </a:bgFillStyleLst>
+    </a:fmtScheme>
+  </a:themeElements>
+  <a:objectDefaults/>
+  <a:extraClrSchemeLst/>
+</a:theme>
 </file>
--- a/git & versioncontrol.pptx
+++ b/git & versioncontrol.pptx
@@ -5,7 +5,7 @@
     <p:sldMasterId id="2147483648" r:id="rId1"/>
   </p:sldMasterIdLst>
   <p:notesMasterIdLst>
-    <p:notesMasterId r:id="rId11"/>
+    <p:notesMasterId r:id="rId13"/>
   </p:notesMasterIdLst>
   <p:sldIdLst>
     <p:sldId id="256" r:id="rId2"/>
@@ -17,6 +17,8 @@
     <p:sldId id="263" r:id="rId8"/>
     <p:sldId id="262" r:id="rId9"/>
     <p:sldId id="264" r:id="rId10"/>
+    <p:sldId id="265" r:id="rId11"/>
+    <p:sldId id="266" r:id="rId12"/>
   </p:sldIdLst>
   <p:sldSz cx="9144000" cy="6858000" type="screen4x3"/>
   <p:notesSz cx="6858000" cy="9144000"/>
@@ -587,6 +589,130 @@
     <p:extLst>
       <p:ext uri="{BB962C8B-B14F-4D97-AF65-F5344CB8AC3E}">
         <p14:creationId xmlns:p14="http://schemas.microsoft.com/office/powerpoint/2010/main" val="3417563026"/>
+      </p:ext>
+    </p:extLst>
+  </p:cSld>
+  <p:clrMapOvr>
+    <a:masterClrMapping/>
+  </p:clrMapOvr>
+</p:notes>
+</file>
+
+<file path=ppt/notesSlides/notesSlide2.xml><?xml version="1.0" encoding="utf-8"?>
+<p:notes xmlns:a="http://schemas.openxmlformats.org/drawingml/2006/main" xmlns:r="http://schemas.openxmlformats.org/officeDocument/2006/relationships" xmlns:p="http://schemas.openxmlformats.org/presentationml/2006/main">
+  <p:cSld>
+    <p:spTree>
+      <p:nvGrpSpPr>
+        <p:cNvPr id="1" name=""/>
+        <p:cNvGrpSpPr/>
+        <p:nvPr/>
+      </p:nvGrpSpPr>
+      <p:grpSpPr>
+        <a:xfrm>
+          <a:off x="0" y="0"/>
+          <a:ext cx="0" cy="0"/>
+          <a:chOff x="0" y="0"/>
+          <a:chExt cx="0" cy="0"/>
+        </a:xfrm>
+      </p:grpSpPr>
+      <p:sp>
+        <p:nvSpPr>
+          <p:cNvPr id="2" name="Slide Image Placeholder 1"/>
+          <p:cNvSpPr>
+            <a:spLocks noGrp="1" noRot="1" noChangeAspect="1"/>
+          </p:cNvSpPr>
+          <p:nvPr>
+            <p:ph type="sldImg"/>
+          </p:nvPr>
+        </p:nvSpPr>
+        <p:spPr/>
+      </p:sp>
+      <p:sp>
+        <p:nvSpPr>
+          <p:cNvPr id="3" name="Notes Placeholder 2"/>
+          <p:cNvSpPr>
+            <a:spLocks noGrp="1"/>
+          </p:cNvSpPr>
+          <p:nvPr>
+            <p:ph type="body" idx="1"/>
+          </p:nvPr>
+        </p:nvSpPr>
+        <p:spPr/>
+        <p:txBody>
+          <a:bodyPr/>
+          <a:lstStyle/>
+          <a:p>
+            <a:r>
+              <a:rPr lang="th-TH" dirty="0" smtClean="0"/>
+              <a:t>นั่นทำให้ไม่มีทางที่เราจะแก้ไขข้อมูลของไฟล์และไดเร็กทอรี่ใดโดยที่ </a:t>
+            </a:r>
+            <a:r>
+              <a:rPr lang="en-US" dirty="0" err="1" smtClean="0"/>
+              <a:t>Git</a:t>
+            </a:r>
+            <a:r>
+              <a:rPr lang="en-US" dirty="0" smtClean="0"/>
+              <a:t> </a:t>
+            </a:r>
+            <a:r>
+              <a:rPr lang="th-TH" dirty="0" smtClean="0"/>
+              <a:t>จะไม่รู้ ซึ่งฟังก์ชันนี้จะอยู่ในระดับล่างและเป็นหลักการของ </a:t>
+            </a:r>
+            <a:r>
+              <a:rPr lang="en-US" dirty="0" err="1" smtClean="0"/>
+              <a:t>Git</a:t>
+            </a:r>
+            <a:r>
+              <a:rPr lang="en-US" dirty="0" smtClean="0"/>
+              <a:t> </a:t>
+            </a:r>
+            <a:r>
+              <a:rPr lang="th-TH" dirty="0" smtClean="0"/>
+              <a:t>คุณจะไม่มีทางที่จะทำข้อมูลสูญหายระหว่างการโยกย้ายหรือรับไฟล์ที่เสียหาย โดย </a:t>
+            </a:r>
+            <a:r>
+              <a:rPr lang="en-US" dirty="0" err="1" smtClean="0"/>
+              <a:t>Git</a:t>
+            </a:r>
+            <a:r>
+              <a:rPr lang="en-US" dirty="0" smtClean="0"/>
+              <a:t> </a:t>
+            </a:r>
+            <a:r>
+              <a:rPr lang="th-TH" dirty="0" smtClean="0"/>
+              <a:t>จะสามารถตรวจพบได้</a:t>
+            </a:r>
+            <a:endParaRPr lang="th-TH" dirty="0"/>
+          </a:p>
+        </p:txBody>
+      </p:sp>
+      <p:sp>
+        <p:nvSpPr>
+          <p:cNvPr id="4" name="Slide Number Placeholder 3"/>
+          <p:cNvSpPr>
+            <a:spLocks noGrp="1"/>
+          </p:cNvSpPr>
+          <p:nvPr>
+            <p:ph type="sldNum" sz="quarter" idx="10"/>
+          </p:nvPr>
+        </p:nvSpPr>
+        <p:spPr/>
+        <p:txBody>
+          <a:bodyPr/>
+          <a:lstStyle/>
+          <a:p>
+            <a:fld id="{FFC2B25E-DF71-4B65-AF76-D6E860F5255F}" type="slidenum">
+              <a:rPr lang="th-TH" smtClean="0"/>
+              <a:t>10</a:t>
+            </a:fld>
+            <a:endParaRPr lang="th-TH"/>
+          </a:p>
+        </p:txBody>
+      </p:sp>
+    </p:spTree>
+    <p:extLst>
+      <p:ext uri="{BB962C8B-B14F-4D97-AF65-F5344CB8AC3E}">
+        <p14:creationId xmlns:p14="http://schemas.microsoft.com/office/powerpoint/2010/main" val="3669515173"/>
       </p:ext>
     </p:extLst>
   </p:cSld>
@@ -3653,6 +3779,207 @@
 </p:sld>
 </file>
 
+<file path=ppt/slides/slide10.xml><?xml version="1.0" encoding="utf-8"?>
+<p:sld xmlns:a="http://schemas.openxmlformats.org/drawingml/2006/main" xmlns:r="http://schemas.openxmlformats.org/officeDocument/2006/relationships" xmlns:p="http://schemas.openxmlformats.org/presentationml/2006/main">
+  <p:cSld>
+    <p:spTree>
+      <p:nvGrpSpPr>
+        <p:cNvPr id="1" name=""/>
+        <p:cNvGrpSpPr/>
+        <p:nvPr/>
+      </p:nvGrpSpPr>
+      <p:grpSpPr>
+        <a:xfrm>
+          <a:off x="0" y="0"/>
+          <a:ext cx="0" cy="0"/>
+          <a:chOff x="0" y="0"/>
+          <a:chExt cx="0" cy="0"/>
+        </a:xfrm>
+      </p:grpSpPr>
+      <p:sp>
+        <p:nvSpPr>
+          <p:cNvPr id="2" name="Title 1"/>
+          <p:cNvSpPr>
+            <a:spLocks noGrp="1"/>
+          </p:cNvSpPr>
+          <p:nvPr>
+            <p:ph type="title"/>
+          </p:nvPr>
+        </p:nvSpPr>
+        <p:spPr/>
+        <p:txBody>
+          <a:bodyPr/>
+          <a:lstStyle/>
+          <a:p>
+            <a:endParaRPr lang="th-TH"/>
+          </a:p>
+        </p:txBody>
+      </p:sp>
+      <p:sp>
+        <p:nvSpPr>
+          <p:cNvPr id="3" name="Content Placeholder 2"/>
+          <p:cNvSpPr>
+            <a:spLocks noGrp="1"/>
+          </p:cNvSpPr>
+          <p:nvPr>
+            <p:ph idx="1"/>
+          </p:nvPr>
+        </p:nvSpPr>
+        <p:spPr/>
+        <p:txBody>
+          <a:bodyPr/>
+          <a:lstStyle/>
+          <a:p>
+            <a:r>
+              <a:rPr lang="en-US" dirty="0" err="1"/>
+              <a:t>Git</a:t>
+            </a:r>
+            <a:r>
+              <a:rPr lang="en-US" dirty="0"/>
+              <a:t> </a:t>
+            </a:r>
+            <a:r>
+              <a:rPr lang="th-TH" dirty="0" smtClean="0"/>
+              <a:t>มีความเที่ยงตรง</a:t>
+            </a:r>
+          </a:p>
+          <a:p>
+            <a:r>
+              <a:rPr lang="th-TH" dirty="0"/>
+              <a:t>บันทึกเอาไว้จะถูกทำการ </a:t>
+            </a:r>
+            <a:r>
+              <a:rPr lang="en-US" dirty="0"/>
+              <a:t>Checksum </a:t>
+            </a:r>
+            <a:r>
+              <a:rPr lang="th-TH" dirty="0"/>
+              <a:t>แล้วนำมาใช้เป็นตัวอ้างอิง</a:t>
+            </a:r>
+          </a:p>
+        </p:txBody>
+      </p:sp>
+    </p:spTree>
+    <p:extLst>
+      <p:ext uri="{BB962C8B-B14F-4D97-AF65-F5344CB8AC3E}">
+        <p14:creationId xmlns:p14="http://schemas.microsoft.com/office/powerpoint/2010/main" val="3837860160"/>
+      </p:ext>
+    </p:extLst>
+  </p:cSld>
+  <p:clrMapOvr>
+    <a:masterClrMapping/>
+  </p:clrMapOvr>
+</p:sld>
+</file>
+
+<file path=ppt/slides/slide11.xml><?xml version="1.0" encoding="utf-8"?>
+<p:sld xmlns:a="http://schemas.openxmlformats.org/drawingml/2006/main" xmlns:r="http://schemas.openxmlformats.org/officeDocument/2006/relationships" xmlns:p="http://schemas.openxmlformats.org/presentationml/2006/main">
+  <p:cSld>
+    <p:spTree>
+      <p:nvGrpSpPr>
+        <p:cNvPr id="1" name=""/>
+        <p:cNvGrpSpPr/>
+        <p:nvPr/>
+      </p:nvGrpSpPr>
+      <p:grpSpPr>
+        <a:xfrm>
+          <a:off x="0" y="0"/>
+          <a:ext cx="0" cy="0"/>
+          <a:chOff x="0" y="0"/>
+          <a:chExt cx="0" cy="0"/>
+        </a:xfrm>
+      </p:grpSpPr>
+      <p:sp>
+        <p:nvSpPr>
+          <p:cNvPr id="2" name="Title 1"/>
+          <p:cNvSpPr>
+            <a:spLocks noGrp="1"/>
+          </p:cNvSpPr>
+          <p:nvPr>
+            <p:ph type="title"/>
+          </p:nvPr>
+        </p:nvSpPr>
+        <p:spPr/>
+        <p:txBody>
+          <a:bodyPr/>
+          <a:lstStyle/>
+          <a:p>
+            <a:endParaRPr lang="th-TH"/>
+          </a:p>
+        </p:txBody>
+      </p:sp>
+      <p:sp>
+        <p:nvSpPr>
+          <p:cNvPr id="3" name="Content Placeholder 2"/>
+          <p:cNvSpPr>
+            <a:spLocks noGrp="1"/>
+          </p:cNvSpPr>
+          <p:nvPr>
+            <p:ph idx="1"/>
+          </p:nvPr>
+        </p:nvSpPr>
+        <p:spPr/>
+        <p:txBody>
+          <a:bodyPr/>
+          <a:lstStyle/>
+          <a:p>
+            <a:r>
+              <a:rPr lang="en-US" dirty="0" err="1"/>
+              <a:t>Git</a:t>
+            </a:r>
+            <a:r>
+              <a:rPr lang="en-US" dirty="0"/>
+              <a:t> </a:t>
+            </a:r>
+            <a:r>
+              <a:rPr lang="th-TH" dirty="0"/>
+              <a:t>เพียงแต่เพิ่ม</a:t>
+            </a:r>
+            <a:r>
+              <a:rPr lang="th-TH" dirty="0" smtClean="0"/>
+              <a:t>ข้อมูล</a:t>
+            </a:r>
+          </a:p>
+          <a:p>
+            <a:r>
+              <a:rPr lang="th-TH" dirty="0"/>
+              <a:t>เนื้อหาเกือบทั้งหมดนั้นก็จะถูกเพิ่มเข้าไปในฐานข้อมูลของ </a:t>
+            </a:r>
+            <a:r>
+              <a:rPr lang="en-US" dirty="0" err="1"/>
+              <a:t>Git</a:t>
+            </a:r>
+            <a:r>
+              <a:rPr lang="en-US" dirty="0"/>
+              <a:t> </a:t>
+            </a:r>
+            <a:r>
+              <a:rPr lang="th-TH" dirty="0" smtClean="0"/>
+              <a:t>เท่านั้น</a:t>
+            </a:r>
+          </a:p>
+          <a:p>
+            <a:r>
+              <a:rPr lang="en-US" smtClean="0"/>
+              <a:t>dddd</a:t>
+            </a:r>
+            <a:endParaRPr lang="th-TH"/>
+          </a:p>
+        </p:txBody>
+      </p:sp>
+    </p:spTree>
+    <p:extLst>
+      <p:ext uri="{BB962C8B-B14F-4D97-AF65-F5344CB8AC3E}">
+        <p14:creationId xmlns:p14="http://schemas.microsoft.com/office/powerpoint/2010/main" val="4048195889"/>
+      </p:ext>
+    </p:extLst>
+  </p:cSld>
+  <p:clrMapOvr>
+    <a:masterClrMapping/>
+  </p:clrMapOvr>
+</p:sld>
+</file>
+
 <file path=ppt/slides/slide2.xml><?xml version="1.0" encoding="utf-8"?>
 <p:sld xmlns:a="http://schemas.openxmlformats.org/drawingml/2006/main" xmlns:r="http://schemas.openxmlformats.org/officeDocument/2006/relationships" xmlns:p="http://schemas.openxmlformats.org/presentationml/2006/main">
   <p:cSld>
@@ -4779,8 +5106,53 @@
           <a:p>
             <a:r>
               <a:rPr lang="th-TH" dirty="0"/>
-              <a:t>การทำงานเกือบทุกอย่างเป็นการทำงานในเครื่องตัวเอง</a:t>
-            </a:r>
+              <a:t>การทำงานเกือบทุกอย่างเป็นการ</a:t>
+            </a:r>
+            <a:r>
+              <a:rPr lang="th-TH" dirty="0" smtClean="0"/>
+              <a:t>ทำงานในเครื่องเรา</a:t>
+            </a:r>
+          </a:p>
+          <a:p>
+            <a:r>
+              <a:rPr lang="th-TH" dirty="0"/>
+              <a:t>ประวัติการเปลี่ยนแปลงทั้งหมดของโปรเจคอยู่ในเครื่อง</a:t>
+            </a:r>
+            <a:r>
+              <a:rPr lang="th-TH" dirty="0" smtClean="0"/>
+              <a:t>ของเราอยู่</a:t>
+            </a:r>
+            <a:r>
+              <a:rPr lang="th-TH" dirty="0"/>
+              <a:t>แล้วและพร้อมที่จะทำงานได้</a:t>
+            </a:r>
+            <a:r>
+              <a:rPr lang="th-TH" dirty="0" smtClean="0"/>
+              <a:t>ทันที</a:t>
+            </a:r>
+          </a:p>
+          <a:p>
+            <a:r>
+              <a:rPr lang="th-TH" dirty="0" smtClean="0"/>
+              <a:t>สามารถ </a:t>
+            </a:r>
+            <a:r>
+              <a:rPr lang="en-US" dirty="0" smtClean="0"/>
+              <a:t>commit </a:t>
+            </a:r>
+            <a:r>
+              <a:rPr lang="th-TH" dirty="0" smtClean="0"/>
+              <a:t>ได้เรื่อยๆและเมื่อเชื่อมต่อ </a:t>
+            </a:r>
+            <a:r>
+              <a:rPr lang="en-US" dirty="0" smtClean="0"/>
+              <a:t>internet </a:t>
+            </a:r>
+            <a:r>
+              <a:rPr lang="th-TH" dirty="0" smtClean="0"/>
+              <a:t>ก็สามารถโอนถ่ายไปยังเซฟเวอร์ได้</a:t>
+            </a:r>
+            <a:endParaRPr lang="th-TH" dirty="0"/>
           </a:p>
         </p:txBody>
       </p:sp>

--- a/git & versioncontrol.pptx
+++ b/git & versioncontrol.pptx
@@ -3959,10 +3959,6 @@
             </a:r>
           </a:p>
           <a:p>
-            <a:r>
-              <a:rPr lang="en-US" smtClean="0"/>
-              <a:t>dddd</a:t>
-            </a:r>
             <a:endParaRPr lang="th-TH"/>
           </a:p>
         </p:txBody>
